--- a/presentation.pptx
+++ b/presentation.pptx
@@ -21,6 +21,12 @@
     <p:sldId id="269" r:id="rId15"/>
     <p:sldId id="270" r:id="rId16"/>
     <p:sldId id="271" r:id="rId17"/>
+    <p:sldId id="272" r:id="rId18"/>
+    <p:sldId id="273" r:id="rId19"/>
+    <p:sldId id="274" r:id="rId20"/>
+    <p:sldId id="275" r:id="rId21"/>
+    <p:sldId id="276" r:id="rId22"/>
+    <p:sldId id="277" r:id="rId23"/>
   </p:sldIdLst>
   <p:sldSz cx="9144000" cy="5143500" type="screen16x9"/>
   <p:notesSz cx="6858000" cy="9144000"/>
@@ -3199,51 +3205,348 @@
             <p:ph type="title"/>
           </p:nvPr>
         </p:nvSpPr>
+        <p:spPr>
+          <a:xfrm>
+            <a:off x="457201" y="204787"/>
+            <a:ext cx="3008313" cy="871538"/>
+          </a:xfrm>
+        </p:spPr>
+        <p:txBody>
+          <a:bodyPr/>
+          <a:lstStyle/>
+          <a:p>
+            <a:pPr lvl="0" indent="0" marL="0">
+              <a:buNone/>
+            </a:pPr>
+            <a:r>
+              <a:rPr/>
+              <a:t>Modeling</a:t>
+            </a:r>
+          </a:p>
+        </p:txBody>
+      </p:sp>
+      <p:sp>
+        <p:nvSpPr>
+          <p:cNvPr id="4" name="Text Placeholder 3"/>
+          <p:cNvSpPr>
+            <a:spLocks noGrp="1"/>
+          </p:cNvSpPr>
+          <p:nvPr>
+            <p:ph idx="2" sz="half" type="body"/>
+          </p:nvPr>
+        </p:nvSpPr>
         <p:spPr/>
         <p:txBody>
           <a:bodyPr/>
           <a:lstStyle/>
           <a:p>
             <a:pPr lvl="0" indent="0" marL="0">
+              <a:spcBef>
+                <a:spcPts val="3000"/>
+              </a:spcBef>
               <a:buNone/>
             </a:pPr>
             <a:r>
+              <a:rPr b="1"/>
+              <a:t>Timeframe</a:t>
+            </a:r>
+          </a:p>
+          <a:p>
+            <a:pPr lvl="0" indent="0" marL="0">
+              <a:buNone/>
+            </a:pPr>
+            <a:r>
               <a:rPr/>
-              <a:t>Initial tree stand side view</a:t>
-            </a:r>
-          </a:p>
-        </p:txBody>
-      </p:sp>
-      <p:pic>
-        <p:nvPicPr>
-          <p:cNvPr descr="images/clipboard-3151039234.png" id="0" name="Picture 1"/>
-          <p:cNvPicPr>
-            <a:picLocks noGrp="1" noChangeAspect="1"/>
-          </p:cNvPicPr>
-          <p:nvPr/>
-        </p:nvPicPr>
-        <p:blipFill>
-          <a:blip r:embed="rId2"/>
-          <a:stretch>
-            <a:fillRect/>
-          </a:stretch>
-        </p:blipFill>
-        <p:spPr bwMode="auto">
-          <a:xfrm>
-            <a:off x="1574800" y="1193800"/>
-            <a:ext cx="5994400" cy="3390900"/>
-          </a:xfrm>
-          <a:prstGeom prst="rect">
-            <a:avLst/>
-          </a:prstGeom>
-          <a:noFill/>
-          <a:ln w="9525">
-            <a:noFill/>
-            <a:headEnd/>
-            <a:tailEnd/>
-          </a:ln>
-        </p:spPr>
-      </p:pic>
+              <a:t>50 Years = 11 Periods</a:t>
+            </a:r>
+          </a:p>
+          <a:p>
+            <a:pPr lvl="0" indent="0" marL="0">
+              <a:spcBef>
+                <a:spcPts val="3000"/>
+              </a:spcBef>
+              <a:buNone/>
+            </a:pPr>
+            <a:r>
+              <a:rPr b="1"/>
+              <a:t>Initial tree stand parameters</a:t>
+            </a:r>
+          </a:p>
+        </p:txBody>
+      </p:sp>
+      <p:graphicFrame>
+        <p:nvGraphicFramePr>
+          <p:cNvPr id="6" name="Content Placeholder 5"/>
+          <p:cNvGraphicFramePr>
+            <a:graphicFrameLocks noGrp="1"/>
+          </p:cNvGraphicFramePr>
+          <p:nvPr>
+            <p:ph idx="1"/>
+          </p:nvPr>
+        </p:nvGraphicFramePr>
+        <p:xfrm>
+          <a:off x="3568700" y="203200"/>
+          <a:ext cx="5105400" cy="4381500"/>
+        </p:xfrm>
+        <a:graphic>
+          <a:graphicData uri="http://schemas.openxmlformats.org/drawingml/2006/table">
+            <a:tbl>
+              <a:tblPr firstRow="1" bandRow="1">
+                <a:tableStyleId>{5C22544A-7EE6-4342-B048-85BDC9FD1C3A}</a:tableStyleId>
+              </a:tblPr>
+              <a:tblGrid>
+                <a:gridCol w="1701800"/>
+                <a:gridCol w="1701800"/>
+                <a:gridCol w="1701800"/>
+              </a:tblGrid>
+              <a:tr h="0">
+                <a:tc>
+                  <a:txBody>
+                    <a:bodyPr/>
+                    <a:lstStyle/>
+                    <a:p>
+                      <a:pPr lvl="0" indent="0" marL="0">
+                        <a:buNone/>
+                      </a:pPr>
+                      <a:r>
+                        <a:rPr/>
+                        <a:t>Species</a:t>
+                      </a:r>
+                    </a:p>
+                  </a:txBody>
+                  <a:tcPr/>
+                </a:tc>
+                <a:tc>
+                  <a:txBody>
+                    <a:bodyPr/>
+                    <a:lstStyle/>
+                    <a:p>
+                      <a:pPr lvl="0" indent="0" marL="0">
+                        <a:buNone/>
+                      </a:pPr>
+                      <a:r>
+                        <a:rPr/>
+                        <a:t>N / ha</a:t>
+                      </a:r>
+                    </a:p>
+                  </a:txBody>
+                  <a:tcPr/>
+                </a:tc>
+                <a:tc>
+                  <a:txBody>
+                    <a:bodyPr/>
+                    <a:lstStyle/>
+                    <a:p>
+                      <a:pPr lvl="0" indent="0" marL="0">
+                        <a:buNone/>
+                      </a:pPr>
+                      <a:r>
+                        <a:rPr/>
+                        <a:t>G (m²)</a:t>
+                      </a:r>
+                    </a:p>
+                  </a:txBody>
+                  <a:tcPr/>
+                </a:tc>
+              </a:tr>
+              <a:tr h="0">
+                <a:tc>
+                  <a:txBody>
+                    <a:bodyPr/>
+                    <a:lstStyle/>
+                    <a:p>
+                      <a:pPr lvl="0" indent="0" marL="0">
+                        <a:buNone/>
+                      </a:pPr>
+                      <a:r>
+                        <a:rPr/>
+                        <a:t>Scots pine</a:t>
+                      </a:r>
+                    </a:p>
+                  </a:txBody>
+                </a:tc>
+                <a:tc>
+                  <a:txBody>
+                    <a:bodyPr/>
+                    <a:lstStyle/>
+                    <a:p>
+                      <a:pPr lvl="0" indent="0" marL="0">
+                        <a:buNone/>
+                      </a:pPr>
+                      <a:r>
+                        <a:rPr/>
+                        <a:t>282</a:t>
+                      </a:r>
+                    </a:p>
+                  </a:txBody>
+                </a:tc>
+                <a:tc>
+                  <a:txBody>
+                    <a:bodyPr/>
+                    <a:lstStyle/>
+                    <a:p>
+                      <a:pPr lvl="0" indent="0" marL="0">
+                        <a:buNone/>
+                      </a:pPr>
+                      <a:r>
+                        <a:rPr/>
+                        <a:t>31</a:t>
+                      </a:r>
+                    </a:p>
+                  </a:txBody>
+                </a:tc>
+              </a:tr>
+              <a:tr h="0">
+                <a:tc>
+                  <a:txBody>
+                    <a:bodyPr/>
+                    <a:lstStyle/>
+                    <a:p>
+                      <a:pPr lvl="0" indent="0" marL="0">
+                        <a:buNone/>
+                      </a:pPr>
+                      <a:r>
+                        <a:rPr/>
+                        <a:t>European beech</a:t>
+                      </a:r>
+                    </a:p>
+                  </a:txBody>
+                </a:tc>
+                <a:tc>
+                  <a:txBody>
+                    <a:bodyPr/>
+                    <a:lstStyle/>
+                    <a:p>
+                      <a:pPr lvl="0" indent="0" marL="0">
+                        <a:buNone/>
+                      </a:pPr>
+                      <a:r>
+                        <a:rPr/>
+                        <a:t>525</a:t>
+                      </a:r>
+                    </a:p>
+                  </a:txBody>
+                </a:tc>
+                <a:tc>
+                  <a:txBody>
+                    <a:bodyPr/>
+                    <a:lstStyle/>
+                    <a:p>
+                      <a:pPr lvl="0" indent="0" marL="0">
+                        <a:buNone/>
+                      </a:pPr>
+                      <a:r>
+                        <a:rPr/>
+                        <a:t>9</a:t>
+                      </a:r>
+                    </a:p>
+                  </a:txBody>
+                </a:tc>
+              </a:tr>
+              <a:tr h="0">
+                <a:tc>
+                  <a:txBody>
+                    <a:bodyPr/>
+                    <a:lstStyle/>
+                    <a:p>
+                      <a:pPr lvl="0" indent="0" marL="0">
+                        <a:buNone/>
+                      </a:pPr>
+                      <a:r>
+                        <a:rPr/>
+                        <a:t>Norway spruce</a:t>
+                      </a:r>
+                    </a:p>
+                  </a:txBody>
+                </a:tc>
+                <a:tc>
+                  <a:txBody>
+                    <a:bodyPr/>
+                    <a:lstStyle/>
+                    <a:p>
+                      <a:pPr lvl="0" indent="0" marL="0">
+                        <a:buNone/>
+                      </a:pPr>
+                      <a:r>
+                        <a:rPr/>
+                        <a:t>28</a:t>
+                      </a:r>
+                    </a:p>
+                  </a:txBody>
+                </a:tc>
+                <a:tc>
+                  <a:txBody>
+                    <a:bodyPr/>
+                    <a:lstStyle/>
+                    <a:p>
+                      <a:pPr lvl="0" indent="0" marL="0">
+                        <a:buNone/>
+                      </a:pPr>
+                      <a:r>
+                        <a:rPr/>
+                        <a:t>.6</a:t>
+                      </a:r>
+                    </a:p>
+                  </a:txBody>
+                </a:tc>
+              </a:tr>
+              <a:tr h="0">
+                <a:tc>
+                  <a:txBody>
+                    <a:bodyPr/>
+                    <a:lstStyle/>
+                    <a:p>
+                      <a:pPr lvl="0" indent="0" marL="0">
+                        <a:buNone/>
+                      </a:pPr>
+                      <a:r>
+                        <a:rPr/>
+                        <a:t>Sessile oak</a:t>
+                      </a:r>
+                      <a:r>
+                        <a:rPr baseline="30000">
+                          <a:hlinkClick r:id="rId2" action="ppaction://hlinksldjump"/>
+                        </a:rPr>
+                        <a:t>1</a:t>
+                      </a:r>
+                    </a:p>
+                  </a:txBody>
+                </a:tc>
+                <a:tc>
+                  <a:txBody>
+                    <a:bodyPr/>
+                    <a:lstStyle/>
+                    <a:p>
+                      <a:pPr lvl="0" indent="0" marL="0">
+                        <a:buNone/>
+                      </a:pPr>
+                      <a:r>
+                        <a:rPr/>
+                        <a:t>18</a:t>
+                      </a:r>
+                    </a:p>
+                  </a:txBody>
+                </a:tc>
+                <a:tc>
+                  <a:txBody>
+                    <a:bodyPr/>
+                    <a:lstStyle/>
+                    <a:p>
+                      <a:pPr lvl="0" indent="0" marL="0">
+                        <a:buNone/>
+                      </a:pPr>
+                      <a:r>
+                        <a:rPr/>
+                        <a:t>.2</a:t>
+                      </a:r>
+                    </a:p>
+                  </a:txBody>
+                </a:tc>
+              </a:tr>
+            </a:tbl>
+          </a:graphicData>
+        </a:graphic>
+      </p:graphicFrame>
     </p:spTree>
   </p:cSld>
 </p:sld>
@@ -3268,12 +3571,12 @@
       </p:grpSpPr>
       <p:sp>
         <p:nvSpPr>
-          <p:cNvPr id="2" name="Title 1"/>
-          <p:cNvSpPr>
-            <a:spLocks noGrp="1"/>
-          </p:cNvSpPr>
-          <p:nvPr>
-            <p:ph type="title"/>
+          <p:cNvPr id="4" name="Text Placeholder 3"/>
+          <p:cNvSpPr>
+            <a:spLocks noGrp="1"/>
+          </p:cNvSpPr>
+          <p:nvPr>
+            <p:ph idx="2" sz="half" type="body"/>
           </p:nvPr>
         </p:nvSpPr>
         <p:spPr/>
@@ -3282,18 +3585,21 @@
           <a:lstStyle/>
           <a:p>
             <a:pPr lvl="0" indent="0" marL="0">
+              <a:spcBef>
+                <a:spcPts val="3000"/>
+              </a:spcBef>
               <a:buNone/>
             </a:pPr>
             <a:r>
-              <a:rPr/>
-              <a:t>Initial tree stand top view</a:t>
+              <a:rPr b="1"/>
+              <a:t>Initial tree stand side view</a:t>
             </a:r>
           </a:p>
         </p:txBody>
       </p:sp>
       <p:pic>
         <p:nvPicPr>
-          <p:cNvPr descr="images/init_top_crop.png" id="0" name="Picture 1"/>
+          <p:cNvPr descr="images/clipboard-3151039234.png" id="0" name="Picture 1"/>
           <p:cNvPicPr>
             <a:picLocks noGrp="1" noChangeAspect="1"/>
           </p:cNvPicPr>
@@ -3307,8 +3613,8 @@
         </p:blipFill>
         <p:spPr bwMode="auto">
           <a:xfrm>
-            <a:off x="2870200" y="1193800"/>
-            <a:ext cx="3390900" cy="3390900"/>
+            <a:off x="3568700" y="952500"/>
+            <a:ext cx="5105400" cy="2895600"/>
           </a:xfrm>
           <a:prstGeom prst="rect">
             <a:avLst/>
@@ -3345,34 +3651,62 @@
       </p:grpSpPr>
       <p:sp>
         <p:nvSpPr>
-          <p:cNvPr id="2" name="Title 1"/>
-          <p:cNvSpPr>
-            <a:spLocks noGrp="1"/>
-          </p:cNvSpPr>
-          <p:nvPr>
-            <p:ph type="title"/>
-          </p:nvPr>
-        </p:nvSpPr>
-        <p:spPr>
+          <p:cNvPr id="4" name="Text Placeholder 3"/>
+          <p:cNvSpPr>
+            <a:spLocks noGrp="1"/>
+          </p:cNvSpPr>
+          <p:nvPr>
+            <p:ph idx="2" sz="half" type="body"/>
+          </p:nvPr>
+        </p:nvSpPr>
+        <p:spPr/>
+        <p:txBody>
+          <a:bodyPr/>
+          <a:lstStyle/>
+          <a:p>
+            <a:pPr lvl="0" indent="0" marL="0">
+              <a:spcBef>
+                <a:spcPts val="3000"/>
+              </a:spcBef>
+              <a:buNone/>
+            </a:pPr>
+            <a:r>
+              <a:rPr b="1"/>
+              <a:t>Initial tree stand top view</a:t>
+            </a:r>
+          </a:p>
+        </p:txBody>
+      </p:sp>
+      <p:pic>
+        <p:nvPicPr>
+          <p:cNvPr descr="images/init_top_crop.png" id="0" name="Picture 1"/>
+          <p:cNvPicPr>
+            <a:picLocks noGrp="1" noChangeAspect="1"/>
+          </p:cNvPicPr>
+          <p:nvPr/>
+        </p:nvPicPr>
+        <p:blipFill>
+          <a:blip r:embed="rId2"/>
+          <a:stretch>
+            <a:fillRect/>
+          </a:stretch>
+        </p:blipFill>
+        <p:spPr bwMode="auto">
           <a:xfrm>
-            <a:off x="722313" y="3305176"/>
-            <a:ext cx="7772400" cy="1021556"/>
+            <a:off x="3937000" y="203200"/>
+            <a:ext cx="4381500" cy="4381500"/>
           </a:xfrm>
+          <a:prstGeom prst="rect">
+            <a:avLst/>
+          </a:prstGeom>
+          <a:noFill/>
+          <a:ln w="9525">
+            <a:noFill/>
+            <a:headEnd/>
+            <a:tailEnd/>
+          </a:ln>
         </p:spPr>
-        <p:txBody>
-          <a:bodyPr/>
-          <a:lstStyle/>
-          <a:p>
-            <a:pPr lvl="0" indent="0" marL="0">
-              <a:buNone/>
-            </a:pPr>
-            <a:r>
-              <a:rPr/>
-              <a:t>Thinning parameters</a:t>
-            </a:r>
-          </a:p>
-        </p:txBody>
-      </p:sp>
+      </p:pic>
     </p:spTree>
   </p:cSld>
 </p:sld>
@@ -3397,12 +3731,12 @@
       </p:grpSpPr>
       <p:sp>
         <p:nvSpPr>
-          <p:cNvPr id="2" name="Title 1"/>
-          <p:cNvSpPr>
-            <a:spLocks noGrp="1"/>
-          </p:cNvSpPr>
-          <p:nvPr>
-            <p:ph type="title"/>
+          <p:cNvPr id="4" name="Text Placeholder 3"/>
+          <p:cNvSpPr>
+            <a:spLocks noGrp="1"/>
+          </p:cNvSpPr>
+          <p:nvPr>
+            <p:ph idx="2" sz="half" type="body"/>
           </p:nvPr>
         </p:nvSpPr>
         <p:spPr/>
@@ -3411,29 +3745,28 @@
           <a:lstStyle/>
           <a:p>
             <a:pPr lvl="0" indent="0" marL="0">
+              <a:spcBef>
+                <a:spcPts val="3000"/>
+              </a:spcBef>
               <a:buNone/>
             </a:pPr>
             <a:r>
-              <a:rPr/>
+              <a:rPr b="1"/>
+              <a:t>Thinning parameters</a:t>
+            </a:r>
+          </a:p>
+          <a:p>
+            <a:pPr lvl="0" indent="0" marL="0">
+              <a:spcBef>
+                <a:spcPts val="3000"/>
+              </a:spcBef>
+              <a:buNone/>
+            </a:pPr>
+            <a:r>
+              <a:rPr b="1"/>
               <a:t>BAS - Business as usual</a:t>
             </a:r>
           </a:p>
-        </p:txBody>
-      </p:sp>
-      <p:sp>
-        <p:nvSpPr>
-          <p:cNvPr id="3" name="Content Placeholder 2"/>
-          <p:cNvSpPr>
-            <a:spLocks noGrp="1"/>
-          </p:cNvSpPr>
-          <p:nvPr>
-            <p:ph idx="1"/>
-          </p:nvPr>
-        </p:nvSpPr>
-        <p:spPr/>
-        <p:txBody>
-          <a:bodyPr/>
-          <a:lstStyle/>
           <a:p>
             <a:pPr lvl="0"/>
             <a:r>
@@ -3441,8 +3774,246 @@
               <a:t>No Management</a:t>
             </a:r>
           </a:p>
-        </p:txBody>
-      </p:sp>
+          <a:p>
+            <a:pPr lvl="0" indent="0" marL="0">
+              <a:spcBef>
+                <a:spcPts val="3000"/>
+              </a:spcBef>
+              <a:buNone/>
+            </a:pPr>
+            <a:r>
+              <a:rPr b="1"/>
+              <a:t>SIAFI - Set it and forget it</a:t>
+            </a:r>
+          </a:p>
+          <a:p>
+            <a:pPr lvl="0" indent="0" marL="0">
+              <a:spcBef>
+                <a:spcPts val="3000"/>
+              </a:spcBef>
+              <a:buNone/>
+            </a:pPr>
+            <a:r>
+              <a:rPr b="1"/>
+              <a:t>Future Crop Trees</a:t>
+            </a:r>
+          </a:p>
+        </p:txBody>
+      </p:sp>
+      <p:graphicFrame>
+        <p:nvGraphicFramePr>
+          <p:cNvPr id="6" name="Content Placeholder 5"/>
+          <p:cNvGraphicFramePr>
+            <a:graphicFrameLocks noGrp="1"/>
+          </p:cNvGraphicFramePr>
+          <p:nvPr>
+            <p:ph idx="1"/>
+          </p:nvPr>
+        </p:nvGraphicFramePr>
+        <p:xfrm>
+          <a:off x="3568700" y="203200"/>
+          <a:ext cx="5105400" cy="4381500"/>
+        </p:xfrm>
+        <a:graphic>
+          <a:graphicData uri="http://schemas.openxmlformats.org/drawingml/2006/table">
+            <a:tbl>
+              <a:tblPr firstRow="1" bandRow="1">
+                <a:tableStyleId>{5C22544A-7EE6-4342-B048-85BDC9FD1C3A}</a:tableStyleId>
+              </a:tblPr>
+              <a:tblGrid>
+                <a:gridCol w="1701800"/>
+                <a:gridCol w="1701800"/>
+                <a:gridCol w="1701800"/>
+              </a:tblGrid>
+              <a:tr h="0">
+                <a:tc>
+                  <a:txBody>
+                    <a:bodyPr/>
+                    <a:lstStyle/>
+                    <a:p>
+                      <a:pPr lvl="0" indent="0" marL="0">
+                        <a:buNone/>
+                      </a:pPr>
+                      <a:r>
+                        <a:rPr/>
+                        <a:t>Parameter Class</a:t>
+                      </a:r>
+                    </a:p>
+                  </a:txBody>
+                  <a:tcPr/>
+                </a:tc>
+                <a:tc>
+                  <a:txBody>
+                    <a:bodyPr/>
+                    <a:lstStyle/>
+                    <a:p>
+                      <a:pPr lvl="0" indent="0" marL="0">
+                        <a:buNone/>
+                      </a:pPr>
+                      <a:r>
+                        <a:rPr/>
+                        <a:t>Parameter</a:t>
+                      </a:r>
+                    </a:p>
+                  </a:txBody>
+                  <a:tcPr/>
+                </a:tc>
+                <a:tc>
+                  <a:txBody>
+                    <a:bodyPr/>
+                    <a:lstStyle/>
+                    <a:p>
+                      <a:pPr lvl="0" indent="0" marL="0">
+                        <a:buNone/>
+                      </a:pPr>
+                      <a:r>
+                        <a:rPr/>
+                        <a:t>Value</a:t>
+                      </a:r>
+                    </a:p>
+                  </a:txBody>
+                  <a:tcPr/>
+                </a:tc>
+              </a:tr>
+              <a:tr h="0">
+                <a:tc>
+                  <a:txBody>
+                    <a:bodyPr/>
+                    <a:lstStyle/>
+                    <a:p>
+                      <a:pPr lvl="0" indent="0" marL="0">
+                        <a:buNone/>
+                      </a:pPr>
+                      <a:r>
+                        <a:rPr/>
+                        <a:t>Frequency</a:t>
+                      </a:r>
+                    </a:p>
+                  </a:txBody>
+                </a:tc>
+                <a:tc>
+                  <a:txBody>
+                    <a:bodyPr/>
+                    <a:lstStyle/>
+                    <a:p>
+                      <a:pPr lvl="0" indent="0" marL="0">
+                        <a:buNone/>
+                      </a:pPr>
+                      <a:r>
+                        <a:rPr/>
+                        <a:t>Thinning periods</a:t>
+                      </a:r>
+                    </a:p>
+                  </a:txBody>
+                </a:tc>
+                <a:tc>
+                  <a:txBody>
+                    <a:bodyPr/>
+                    <a:lstStyle/>
+                    <a:p>
+                      <a:pPr lvl="0" indent="0" marL="0">
+                        <a:buNone/>
+                      </a:pPr>
+                      <a:r>
+                        <a:rPr/>
+                        <a:t>5 years</a:t>
+                      </a:r>
+                    </a:p>
+                  </a:txBody>
+                </a:tc>
+              </a:tr>
+              <a:tr h="0">
+                <a:tc>
+                  <a:txBody>
+                    <a:bodyPr/>
+                    <a:lstStyle/>
+                    <a:p>
+                      <a:pPr lvl="0" indent="0" marL="0">
+                        <a:buNone/>
+                      </a:pPr>
+                      <a:r>
+                        <a:rPr/>
+                        <a:t>Intensity</a:t>
+                      </a:r>
+                    </a:p>
+                  </a:txBody>
+                </a:tc>
+                <a:tc>
+                  <a:txBody>
+                    <a:bodyPr/>
+                    <a:lstStyle/>
+                    <a:p>
+                      <a:pPr lvl="0" indent="0" marL="0">
+                        <a:buNone/>
+                      </a:pPr>
+                      <a:r>
+                        <a:rPr/>
+                        <a:t>Release radius</a:t>
+                      </a:r>
+                    </a:p>
+                  </a:txBody>
+                </a:tc>
+                <a:tc>
+                  <a:txBody>
+                    <a:bodyPr/>
+                    <a:lstStyle/>
+                    <a:p>
+                      <a:pPr lvl="0" indent="0" marL="0">
+                        <a:buNone/>
+                      </a:pPr>
+                      <a:r>
+                        <a:rPr/>
+                        <a:t>4 m</a:t>
+                      </a:r>
+                    </a:p>
+                  </a:txBody>
+                </a:tc>
+              </a:tr>
+              <a:tr h="0">
+                <a:tc>
+                  <a:txBody>
+                    <a:bodyPr/>
+                    <a:lstStyle/>
+                    <a:p>
+                      <a:endParaRPr/>
+                    </a:p>
+                  </a:txBody>
+                </a:tc>
+                <a:tc>
+                  <a:txBody>
+                    <a:bodyPr/>
+                    <a:lstStyle/>
+                    <a:p>
+                      <a:pPr lvl="0" indent="0" marL="0">
+                        <a:buNone/>
+                      </a:pPr>
+                      <a:r>
+                        <a:rPr/>
+                        <a:t>Max. thinning volume</a:t>
+                      </a:r>
+                    </a:p>
+                  </a:txBody>
+                </a:tc>
+                <a:tc>
+                  <a:txBody>
+                    <a:bodyPr/>
+                    <a:lstStyle/>
+                    <a:p>
+                      <a:pPr lvl="0" indent="0" marL="0">
+                        <a:buNone/>
+                      </a:pPr>
+                      <a:r>
+                        <a:rPr/>
+                        <a:t>150 m³</a:t>
+                      </a:r>
+                    </a:p>
+                  </a:txBody>
+                </a:tc>
+              </a:tr>
+            </a:tbl>
+          </a:graphicData>
+        </a:graphic>
+      </p:graphicFrame>
     </p:spTree>
   </p:cSld>
 </p:sld>
@@ -3467,36 +4038,6 @@
       </p:grpSpPr>
       <p:sp>
         <p:nvSpPr>
-          <p:cNvPr id="2" name="Title 1"/>
-          <p:cNvSpPr>
-            <a:spLocks noGrp="1"/>
-          </p:cNvSpPr>
-          <p:nvPr>
-            <p:ph type="title"/>
-          </p:nvPr>
-        </p:nvSpPr>
-        <p:spPr>
-          <a:xfrm>
-            <a:off x="457201" y="204787"/>
-            <a:ext cx="3008313" cy="871538"/>
-          </a:xfrm>
-        </p:spPr>
-        <p:txBody>
-          <a:bodyPr/>
-          <a:lstStyle/>
-          <a:p>
-            <a:pPr lvl="0" indent="0" marL="0">
-              <a:buNone/>
-            </a:pPr>
-            <a:r>
-              <a:rPr/>
-              <a:t>SIAFI - Set it and forget it</a:t>
-            </a:r>
-          </a:p>
-        </p:txBody>
-      </p:sp>
-      <p:sp>
-        <p:nvSpPr>
           <p:cNvPr id="4" name="Text Placeholder 3"/>
           <p:cNvSpPr>
             <a:spLocks noGrp="1"/>
@@ -3518,7 +4059,7 @@
             </a:pPr>
             <a:r>
               <a:rPr b="1"/>
-              <a:t>Future Crop Trees</a:t>
+              <a:t>SIAFI - Set it and forget it</a:t>
             </a:r>
           </a:p>
         </p:txBody>
@@ -3544,9 +4085,9 @@
                 <a:tableStyleId>{5C22544A-7EE6-4342-B048-85BDC9FD1C3A}</a:tableStyleId>
               </a:tblPr>
               <a:tblGrid>
-                <a:gridCol w="1701800"/>
-                <a:gridCol w="1701800"/>
-                <a:gridCol w="1701800"/>
+                <a:gridCol w="1181100"/>
+                <a:gridCol w="2146300"/>
+                <a:gridCol w="1778000"/>
               </a:tblGrid>
               <a:tr h="0">
                 <a:tc>
@@ -3559,7 +4100,7 @@
                       </a:pPr>
                       <a:r>
                         <a:rPr/>
-                        <a:t>Parameter Class</a:t>
+                        <a:t>Species</a:t>
                       </a:r>
                     </a:p>
                   </a:txBody>
@@ -3575,7 +4116,17 @@
                       </a:pPr>
                       <a:r>
                         <a:rPr/>
-                        <a:t>Parameter</a:t>
+                        <a:t>Future Crop Trees </a:t>
+                      </a:r>
+                      <a:r>
+                        <a:rPr baseline="30000">
+                          <a:hlinkClick r:id="rId2" action="ppaction://hlinksldjump"/>
+                        </a:rPr>
+                        <a:t>2</a:t>
+                      </a:r>
+                      <a:r>
+                        <a:rPr/>
+                        <a:t> / ha</a:t>
                       </a:r>
                     </a:p>
                   </a:txBody>
@@ -3591,7 +4142,7 @@
                       </a:pPr>
                       <a:r>
                         <a:rPr/>
-                        <a:t>Value</a:t>
+                        <a:t>Thinning regime</a:t>
                       </a:r>
                     </a:p>
                   </a:txBody>
@@ -3609,37 +4160,37 @@
                       </a:pPr>
                       <a:r>
                         <a:rPr/>
-                        <a:t>Frequency</a:t>
-                      </a:r>
-                    </a:p>
-                  </a:txBody>
-                </a:tc>
-                <a:tc>
-                  <a:txBody>
-                    <a:bodyPr/>
-                    <a:lstStyle/>
-                    <a:p>
-                      <a:pPr lvl="0" indent="0" marL="0">
-                        <a:buNone/>
-                      </a:pPr>
-                      <a:r>
-                        <a:rPr/>
-                        <a:t>Management periods</a:t>
-                      </a:r>
-                    </a:p>
-                  </a:txBody>
-                </a:tc>
-                <a:tc>
-                  <a:txBody>
-                    <a:bodyPr/>
-                    <a:lstStyle/>
-                    <a:p>
-                      <a:pPr lvl="0" indent="0" marL="0">
-                        <a:buNone/>
-                      </a:pPr>
-                      <a:r>
-                        <a:rPr/>
-                        <a:t>5 years</a:t>
+                        <a:t>Scots pine</a:t>
+                      </a:r>
+                    </a:p>
+                  </a:txBody>
+                </a:tc>
+                <a:tc>
+                  <a:txBody>
+                    <a:bodyPr/>
+                    <a:lstStyle/>
+                    <a:p>
+                      <a:pPr lvl="0" indent="0" marL="0">
+                        <a:buNone/>
+                      </a:pPr>
+                      <a:r>
+                        <a:rPr/>
+                        <a:t>80</a:t>
+                      </a:r>
+                    </a:p>
+                  </a:txBody>
+                </a:tc>
+                <a:tc>
+                  <a:txBody>
+                    <a:bodyPr/>
+                    <a:lstStyle/>
+                    <a:p>
+                      <a:pPr lvl="0" indent="0" marL="0">
+                        <a:buNone/>
+                      </a:pPr>
+                      <a:r>
+                        <a:rPr/>
+                        <a:t>light</a:t>
                       </a:r>
                     </a:p>
                   </a:txBody>
@@ -3656,37 +4207,37 @@
                       </a:pPr>
                       <a:r>
                         <a:rPr/>
-                        <a:t>Intensity</a:t>
-                      </a:r>
-                    </a:p>
-                  </a:txBody>
-                </a:tc>
-                <a:tc>
-                  <a:txBody>
-                    <a:bodyPr/>
-                    <a:lstStyle/>
-                    <a:p>
-                      <a:pPr lvl="0" indent="0" marL="0">
-                        <a:buNone/>
-                      </a:pPr>
-                      <a:r>
-                        <a:rPr/>
-                        <a:t>Release radius</a:t>
-                      </a:r>
-                    </a:p>
-                  </a:txBody>
-                </a:tc>
-                <a:tc>
-                  <a:txBody>
-                    <a:bodyPr/>
-                    <a:lstStyle/>
-                    <a:p>
-                      <a:pPr lvl="0" indent="0" marL="0">
-                        <a:buNone/>
-                      </a:pPr>
-                      <a:r>
-                        <a:rPr/>
-                        <a:t>4 m</a:t>
+                        <a:t>European beech</a:t>
+                      </a:r>
+                    </a:p>
+                  </a:txBody>
+                </a:tc>
+                <a:tc>
+                  <a:txBody>
+                    <a:bodyPr/>
+                    <a:lstStyle/>
+                    <a:p>
+                      <a:pPr lvl="0" indent="0" marL="0">
+                        <a:buNone/>
+                      </a:pPr>
+                      <a:r>
+                        <a:rPr/>
+                        <a:t>22</a:t>
+                      </a:r>
+                    </a:p>
+                  </a:txBody>
+                </a:tc>
+                <a:tc>
+                  <a:txBody>
+                    <a:bodyPr/>
+                    <a:lstStyle/>
+                    <a:p>
+                      <a:pPr lvl="0" indent="0" marL="0">
+                        <a:buNone/>
+                      </a:pPr>
+                      <a:r>
+                        <a:rPr/>
+                        <a:t>heavy</a:t>
                       </a:r>
                     </a:p>
                   </a:txBody>
@@ -3698,36 +4249,95 @@
                     <a:bodyPr/>
                     <a:lstStyle/>
                     <a:p>
-                      <a:endParaRPr/>
-                    </a:p>
-                  </a:txBody>
-                </a:tc>
-                <a:tc>
-                  <a:txBody>
-                    <a:bodyPr/>
-                    <a:lstStyle/>
-                    <a:p>
-                      <a:pPr lvl="0" indent="0" marL="0">
-                        <a:buNone/>
-                      </a:pPr>
-                      <a:r>
-                        <a:rPr/>
-                        <a:t>Maximum harvest</a:t>
-                      </a:r>
-                    </a:p>
-                  </a:txBody>
-                </a:tc>
-                <a:tc>
-                  <a:txBody>
-                    <a:bodyPr/>
-                    <a:lstStyle/>
-                    <a:p>
-                      <a:pPr lvl="0" indent="0" marL="0">
-                        <a:buNone/>
-                      </a:pPr>
-                      <a:r>
-                        <a:rPr/>
-                        <a:t>150 m³</a:t>
+                      <a:pPr lvl="0" indent="0" marL="0">
+                        <a:buNone/>
+                      </a:pPr>
+                      <a:r>
+                        <a:rPr/>
+                        <a:t>Norway spruce</a:t>
+                      </a:r>
+                    </a:p>
+                  </a:txBody>
+                </a:tc>
+                <a:tc>
+                  <a:txBody>
+                    <a:bodyPr/>
+                    <a:lstStyle/>
+                    <a:p>
+                      <a:pPr lvl="0" indent="0" marL="0">
+                        <a:buNone/>
+                      </a:pPr>
+                      <a:r>
+                        <a:rPr/>
+                        <a:t>0</a:t>
+                      </a:r>
+                    </a:p>
+                  </a:txBody>
+                </a:tc>
+                <a:tc>
+                  <a:txBody>
+                    <a:bodyPr/>
+                    <a:lstStyle/>
+                    <a:p>
+                      <a:pPr lvl="0" indent="0" marL="0">
+                        <a:buNone/>
+                      </a:pPr>
+                      <a:r>
+                        <a:rPr/>
+                        <a:t>light</a:t>
+                      </a:r>
+                    </a:p>
+                  </a:txBody>
+                </a:tc>
+              </a:tr>
+              <a:tr h="0">
+                <a:tc>
+                  <a:txBody>
+                    <a:bodyPr/>
+                    <a:lstStyle/>
+                    <a:p>
+                      <a:pPr lvl="0" indent="0" marL="0">
+                        <a:buNone/>
+                      </a:pPr>
+                      <a:r>
+                        <a:rPr/>
+                        <a:t>Sessile oak</a:t>
+                      </a:r>
+                    </a:p>
+                  </a:txBody>
+                </a:tc>
+                <a:tc>
+                  <a:txBody>
+                    <a:bodyPr/>
+                    <a:lstStyle/>
+                    <a:p>
+                      <a:pPr lvl="0" indent="0" marL="0">
+                        <a:buNone/>
+                      </a:pPr>
+                      <a:r>
+                        <a:rPr/>
+                        <a:t>40</a:t>
+                      </a:r>
+                    </a:p>
+                  </a:txBody>
+                </a:tc>
+                <a:tc>
+                  <a:txBody>
+                    <a:bodyPr/>
+                    <a:lstStyle/>
+                    <a:p>
+                      <a:pPr lvl="0" indent="0" marL="0">
+                        <a:buNone/>
+                      </a:pPr>
+                      <a:r>
+                        <a:rPr/>
+                        <a:t>no direct thinning</a:t>
+                      </a:r>
+                      <a:r>
+                        <a:rPr baseline="30000">
+                          <a:hlinkClick r:id="rId3" action="ppaction://hlinksldjump"/>
+                        </a:rPr>
+                        <a:t>3</a:t>
                       </a:r>
                     </a:p>
                   </a:txBody>
@@ -3761,36 +4371,6 @@
       </p:grpSpPr>
       <p:sp>
         <p:nvSpPr>
-          <p:cNvPr id="2" name="Title 1"/>
-          <p:cNvSpPr>
-            <a:spLocks noGrp="1"/>
-          </p:cNvSpPr>
-          <p:nvPr>
-            <p:ph type="title"/>
-          </p:nvPr>
-        </p:nvSpPr>
-        <p:spPr>
-          <a:xfrm>
-            <a:off x="457201" y="204787"/>
-            <a:ext cx="3008313" cy="871538"/>
-          </a:xfrm>
-        </p:spPr>
-        <p:txBody>
-          <a:bodyPr/>
-          <a:lstStyle/>
-          <a:p>
-            <a:pPr lvl="0" indent="0" marL="0">
-              <a:buNone/>
-            </a:pPr>
-            <a:r>
-              <a:rPr/>
-              <a:t>SIAFI - Set it and forget it</a:t>
-            </a:r>
-          </a:p>
-        </p:txBody>
-      </p:sp>
-      <p:sp>
-        <p:nvSpPr>
           <p:cNvPr id="4" name="Text Placeholder 3"/>
           <p:cNvSpPr>
             <a:spLocks noGrp="1"/>
@@ -3812,7 +4392,19 @@
             </a:pPr>
             <a:r>
               <a:rPr b="1"/>
-              <a:t>Future Crop trees</a:t>
+              <a:t>HE - High effort</a:t>
+            </a:r>
+          </a:p>
+          <a:p>
+            <a:pPr lvl="0" indent="0" marL="0">
+              <a:spcBef>
+                <a:spcPts val="3000"/>
+              </a:spcBef>
+              <a:buNone/>
+            </a:pPr>
+            <a:r>
+              <a:rPr b="1"/>
+              <a:t>Selective thinning</a:t>
             </a:r>
           </a:p>
         </p:txBody>
@@ -3853,7 +4445,7 @@
                       </a:pPr>
                       <a:r>
                         <a:rPr/>
-                        <a:t>Species</a:t>
+                        <a:t>Parameter Class</a:t>
                       </a:r>
                     </a:p>
                   </a:txBody>
@@ -3869,17 +4461,7 @@
                       </a:pPr>
                       <a:r>
                         <a:rPr/>
-                        <a:t>Future Crop Trees </a:t>
-                      </a:r>
-                      <a:r>
-                        <a:rPr baseline="30000">
-                          <a:hlinkClick r:id="rId2" action="ppaction://hlinksldjump"/>
-                        </a:rPr>
-                        <a:t>2</a:t>
-                      </a:r>
-                      <a:r>
-                        <a:rPr/>
-                        <a:t> / ha</a:t>
+                        <a:t>Parameter</a:t>
                       </a:r>
                     </a:p>
                   </a:txBody>
@@ -3895,7 +4477,7 @@
                       </a:pPr>
                       <a:r>
                         <a:rPr/>
-                        <a:t>Thinning regime</a:t>
+                        <a:t>Value</a:t>
                       </a:r>
                     </a:p>
                   </a:txBody>
@@ -3913,37 +4495,37 @@
                       </a:pPr>
                       <a:r>
                         <a:rPr/>
-                        <a:t>Scots pine</a:t>
-                      </a:r>
-                    </a:p>
-                  </a:txBody>
-                </a:tc>
-                <a:tc>
-                  <a:txBody>
-                    <a:bodyPr/>
-                    <a:lstStyle/>
-                    <a:p>
-                      <a:pPr lvl="0" indent="0" marL="0">
-                        <a:buNone/>
-                      </a:pPr>
-                      <a:r>
-                        <a:rPr/>
-                        <a:t>80</a:t>
-                      </a:r>
-                    </a:p>
-                  </a:txBody>
-                </a:tc>
-                <a:tc>
-                  <a:txBody>
-                    <a:bodyPr/>
-                    <a:lstStyle/>
-                    <a:p>
-                      <a:pPr lvl="0" indent="0" marL="0">
-                        <a:buNone/>
-                      </a:pPr>
-                      <a:r>
-                        <a:rPr/>
-                        <a:t>light</a:t>
+                        <a:t>Frequency</a:t>
+                      </a:r>
+                    </a:p>
+                  </a:txBody>
+                </a:tc>
+                <a:tc>
+                  <a:txBody>
+                    <a:bodyPr/>
+                    <a:lstStyle/>
+                    <a:p>
+                      <a:pPr lvl="0" indent="0" marL="0">
+                        <a:buNone/>
+                      </a:pPr>
+                      <a:r>
+                        <a:rPr/>
+                        <a:t>Thinning periods</a:t>
+                      </a:r>
+                    </a:p>
+                  </a:txBody>
+                </a:tc>
+                <a:tc>
+                  <a:txBody>
+                    <a:bodyPr/>
+                    <a:lstStyle/>
+                    <a:p>
+                      <a:pPr lvl="0" indent="0" marL="0">
+                        <a:buNone/>
+                      </a:pPr>
+                      <a:r>
+                        <a:rPr/>
+                        <a:t>5 years</a:t>
                       </a:r>
                     </a:p>
                   </a:txBody>
@@ -3960,31 +4542,37 @@
                       </a:pPr>
                       <a:r>
                         <a:rPr/>
-                        <a:t>European beech</a:t>
-                      </a:r>
-                    </a:p>
-                  </a:txBody>
-                </a:tc>
-                <a:tc>
-                  <a:txBody>
-                    <a:bodyPr/>
-                    <a:lstStyle/>
-                    <a:p>
-                      <a:endParaRPr/>
-                    </a:p>
-                  </a:txBody>
-                </a:tc>
-                <a:tc>
-                  <a:txBody>
-                    <a:bodyPr/>
-                    <a:lstStyle/>
-                    <a:p>
-                      <a:pPr lvl="0" indent="0" marL="0">
-                        <a:buNone/>
-                      </a:pPr>
-                      <a:r>
-                        <a:rPr/>
-                        <a:t>heavy</a:t>
+                        <a:t>Intensity</a:t>
+                      </a:r>
+                    </a:p>
+                  </a:txBody>
+                </a:tc>
+                <a:tc>
+                  <a:txBody>
+                    <a:bodyPr/>
+                    <a:lstStyle/>
+                    <a:p>
+                      <a:pPr lvl="0" indent="0" marL="0">
+                        <a:buNone/>
+                      </a:pPr>
+                      <a:r>
+                        <a:rPr/>
+                        <a:t>Tree numbers</a:t>
+                      </a:r>
+                    </a:p>
+                  </a:txBody>
+                </a:tc>
+                <a:tc>
+                  <a:txBody>
+                    <a:bodyPr/>
+                    <a:lstStyle/>
+                    <a:p>
+                      <a:pPr lvl="0" indent="0" marL="0">
+                        <a:buNone/>
+                      </a:pPr>
+                      <a:r>
+                        <a:rPr/>
+                        <a:t>variable</a:t>
                       </a:r>
                     </a:p>
                   </a:txBody>
@@ -3996,21 +4584,6 @@
                     <a:bodyPr/>
                     <a:lstStyle/>
                     <a:p>
-                      <a:pPr lvl="0" indent="0" marL="0">
-                        <a:buNone/>
-                      </a:pPr>
-                      <a:r>
-                        <a:rPr/>
-                        <a:t>Norway spruce</a:t>
-                      </a:r>
-                    </a:p>
-                  </a:txBody>
-                </a:tc>
-                <a:tc>
-                  <a:txBody>
-                    <a:bodyPr/>
-                    <a:lstStyle/>
-                    <a:p>
                       <a:endParaRPr/>
                     </a:p>
                   </a:txBody>
@@ -4020,7 +4593,28 @@
                     <a:bodyPr/>
                     <a:lstStyle/>
                     <a:p>
-                      <a:endParaRPr/>
+                      <a:pPr lvl="0" indent="0" marL="0">
+                        <a:buNone/>
+                      </a:pPr>
+                      <a:r>
+                        <a:rPr/>
+                        <a:t>Max. thinning volume</a:t>
+                      </a:r>
+                    </a:p>
+                  </a:txBody>
+                </a:tc>
+                <a:tc>
+                  <a:txBody>
+                    <a:bodyPr/>
+                    <a:lstStyle/>
+                    <a:p>
+                      <a:pPr lvl="0" indent="0" marL="0">
+                        <a:buNone/>
+                      </a:pPr>
+                      <a:r>
+                        <a:rPr/>
+                        <a:t>150 m³</a:t>
+                      </a:r>
                     </a:p>
                   </a:txBody>
                 </a:tc>
@@ -4031,21 +4625,6 @@
                     <a:bodyPr/>
                     <a:lstStyle/>
                     <a:p>
-                      <a:pPr lvl="0" indent="0" marL="0">
-                        <a:buNone/>
-                      </a:pPr>
-                      <a:r>
-                        <a:rPr/>
-                        <a:t>Sessile oak</a:t>
-                      </a:r>
-                    </a:p>
-                  </a:txBody>
-                </a:tc>
-                <a:tc>
-                  <a:txBody>
-                    <a:bodyPr/>
-                    <a:lstStyle/>
-                    <a:p>
                       <a:endParaRPr/>
                     </a:p>
                   </a:txBody>
@@ -4055,7 +4634,69 @@
                     <a:bodyPr/>
                     <a:lstStyle/>
                     <a:p>
+                      <a:pPr lvl="0" indent="0" marL="0">
+                        <a:buNone/>
+                      </a:pPr>
+                      <a:r>
+                        <a:rPr/>
+                        <a:t>A-Value</a:t>
+                      </a:r>
+                    </a:p>
+                  </a:txBody>
+                </a:tc>
+                <a:tc>
+                  <a:txBody>
+                    <a:bodyPr/>
+                    <a:lstStyle/>
+                    <a:p>
+                      <a:pPr lvl="0" indent="0" marL="0">
+                        <a:buNone/>
+                      </a:pPr>
+                      <a:r>
+                        <a:rPr/>
+                        <a:t>Strong</a:t>
+                      </a:r>
+                    </a:p>
+                  </a:txBody>
+                </a:tc>
+              </a:tr>
+              <a:tr h="0">
+                <a:tc>
+                  <a:txBody>
+                    <a:bodyPr/>
+                    <a:lstStyle/>
+                    <a:p>
                       <a:endParaRPr/>
+                    </a:p>
+                  </a:txBody>
+                </a:tc>
+                <a:tc>
+                  <a:txBody>
+                    <a:bodyPr/>
+                    <a:lstStyle/>
+                    <a:p>
+                      <a:pPr lvl="0" indent="0" marL="0">
+                        <a:buNone/>
+                      </a:pPr>
+                      <a:r>
+                        <a:rPr/>
+                        <a:t>Species thinning regimes</a:t>
+                      </a:r>
+                    </a:p>
+                  </a:txBody>
+                </a:tc>
+                <a:tc>
+                  <a:txBody>
+                    <a:bodyPr/>
+                    <a:lstStyle/>
+                    <a:p>
+                      <a:pPr lvl="0" indent="0" marL="0">
+                        <a:buNone/>
+                      </a:pPr>
+                      <a:r>
+                        <a:rPr/>
+                        <a:t>= SIAFI</a:t>
+                      </a:r>
                     </a:p>
                   </a:txBody>
                 </a:tc>
@@ -4070,6 +4711,904 @@
 </file>
 
 <file path=ppt/slides/slide16.xml><?xml version="1.0" encoding="utf-8"?>
+<p:sld xmlns:a="http://schemas.openxmlformats.org/drawingml/2006/main" xmlns:r="http://schemas.openxmlformats.org/officeDocument/2006/relationships" xmlns:p="http://schemas.openxmlformats.org/presentationml/2006/main">
+  <p:cSld>
+    <p:spTree>
+      <p:nvGrpSpPr>
+        <p:cNvPr id="1" name=""/>
+        <p:cNvGrpSpPr/>
+        <p:nvPr/>
+      </p:nvGrpSpPr>
+      <p:grpSpPr>
+        <a:xfrm>
+          <a:off x="0" y="0"/>
+          <a:ext cx="0" cy="0"/>
+          <a:chOff x="0" y="0"/>
+          <a:chExt cx="0" cy="0"/>
+        </a:xfrm>
+      </p:grpSpPr>
+      <p:sp>
+        <p:nvSpPr>
+          <p:cNvPr id="2" name="Title 1"/>
+          <p:cNvSpPr>
+            <a:spLocks noGrp="1"/>
+          </p:cNvSpPr>
+          <p:nvPr>
+            <p:ph type="title"/>
+          </p:nvPr>
+        </p:nvSpPr>
+        <p:spPr/>
+        <p:txBody>
+          <a:bodyPr/>
+          <a:lstStyle/>
+          <a:p>
+            <a:pPr lvl="0" indent="0" marL="0">
+              <a:buNone/>
+            </a:pPr>
+            <a:r>
+              <a:rPr/>
+              <a:t>Outcomes</a:t>
+            </a:r>
+          </a:p>
+        </p:txBody>
+      </p:sp>
+      <p:sp>
+        <p:nvSpPr>
+          <p:cNvPr id="3" name="Content Placeholder 2"/>
+          <p:cNvSpPr>
+            <a:spLocks noGrp="1"/>
+          </p:cNvSpPr>
+          <p:nvPr>
+            <p:ph idx="1"/>
+          </p:nvPr>
+        </p:nvSpPr>
+        <p:spPr/>
+        <p:txBody>
+          <a:bodyPr/>
+          <a:lstStyle/>
+          <a:p>
+            <a:pPr lvl="0" indent="0" marL="0">
+              <a:spcBef>
+                <a:spcPts val="3000"/>
+              </a:spcBef>
+              <a:buNone/>
+            </a:pPr>
+            <a:r>
+              <a:rPr b="1"/>
+              <a:t>BAS</a:t>
+            </a:r>
+          </a:p>
+        </p:txBody>
+      </p:sp>
+    </p:spTree>
+  </p:cSld>
+</p:sld>
+</file>
+
+<file path=ppt/slides/slide17.xml><?xml version="1.0" encoding="utf-8"?>
+<p:sld xmlns:a="http://schemas.openxmlformats.org/drawingml/2006/main" xmlns:r="http://schemas.openxmlformats.org/officeDocument/2006/relationships" xmlns:p="http://schemas.openxmlformats.org/presentationml/2006/main">
+  <p:cSld>
+    <p:spTree>
+      <p:nvGrpSpPr>
+        <p:cNvPr id="1" name=""/>
+        <p:cNvGrpSpPr/>
+        <p:nvPr/>
+      </p:nvGrpSpPr>
+      <p:grpSpPr>
+        <a:xfrm>
+          <a:off x="0" y="0"/>
+          <a:ext cx="0" cy="0"/>
+          <a:chOff x="0" y="0"/>
+          <a:chExt cx="0" cy="0"/>
+        </a:xfrm>
+      </p:grpSpPr>
+      <p:pic>
+        <p:nvPicPr>
+          <p:cNvPr descr="images/init_top_crop.png" id="0" name="Picture 1"/>
+          <p:cNvPicPr>
+            <a:picLocks noGrp="1" noChangeAspect="1"/>
+          </p:cNvPicPr>
+          <p:nvPr/>
+        </p:nvPicPr>
+        <p:blipFill>
+          <a:blip r:embed="rId2"/>
+          <a:stretch>
+            <a:fillRect/>
+          </a:stretch>
+        </p:blipFill>
+        <p:spPr bwMode="auto">
+          <a:xfrm>
+            <a:off x="1041400" y="1193800"/>
+            <a:ext cx="2882900" cy="2882900"/>
+          </a:xfrm>
+          <a:prstGeom prst="rect">
+            <a:avLst/>
+          </a:prstGeom>
+          <a:noFill/>
+          <a:ln w="9525">
+            <a:noFill/>
+            <a:headEnd/>
+            <a:tailEnd/>
+          </a:ln>
+        </p:spPr>
+      </p:pic>
+      <p:sp>
+        <p:nvSpPr>
+          <p:cNvPr id="1" name="TextBox 3"/>
+          <p:cNvSpPr txBox="1"/>
+          <p:nvPr/>
+        </p:nvSpPr>
+        <p:spPr>
+          <a:xfrm>
+            <a:off x="457200" y="4076700"/>
+            <a:ext cx="4038600" cy="508000"/>
+          </a:xfrm>
+          <a:prstGeom prst="rect">
+            <a:avLst/>
+          </a:prstGeom>
+          <a:noFill/>
+        </p:spPr>
+        <p:txBody>
+          <a:bodyPr/>
+          <a:lstStyle/>
+          <a:p>
+            <a:pPr lvl="0" indent="0" marL="0" algn="ctr">
+              <a:buNone/>
+            </a:pPr>
+            <a:r>
+              <a:rPr/>
+              <a:t>Initial</a:t>
+            </a:r>
+          </a:p>
+        </p:txBody>
+      </p:sp>
+      <p:pic>
+        <p:nvPicPr>
+          <p:cNvPr descr="images/sim_bas_top_crop.png" id="0" name="Picture 1"/>
+          <p:cNvPicPr>
+            <a:picLocks noGrp="1" noChangeAspect="1"/>
+          </p:cNvPicPr>
+          <p:nvPr/>
+        </p:nvPicPr>
+        <p:blipFill>
+          <a:blip r:embed="rId3"/>
+          <a:stretch>
+            <a:fillRect/>
+          </a:stretch>
+        </p:blipFill>
+        <p:spPr bwMode="auto">
+          <a:xfrm>
+            <a:off x="5232400" y="1193800"/>
+            <a:ext cx="2882900" cy="2882900"/>
+          </a:xfrm>
+          <a:prstGeom prst="rect">
+            <a:avLst/>
+          </a:prstGeom>
+          <a:noFill/>
+          <a:ln w="9525">
+            <a:noFill/>
+            <a:headEnd/>
+            <a:tailEnd/>
+          </a:ln>
+        </p:spPr>
+      </p:pic>
+      <p:sp>
+        <p:nvSpPr>
+          <p:cNvPr id="1" name="TextBox 3"/>
+          <p:cNvSpPr txBox="1"/>
+          <p:nvPr/>
+        </p:nvSpPr>
+        <p:spPr>
+          <a:xfrm>
+            <a:off x="4648200" y="4076700"/>
+            <a:ext cx="4038600" cy="508000"/>
+          </a:xfrm>
+          <a:prstGeom prst="rect">
+            <a:avLst/>
+          </a:prstGeom>
+          <a:noFill/>
+        </p:spPr>
+        <p:txBody>
+          <a:bodyPr/>
+          <a:lstStyle/>
+          <a:p>
+            <a:pPr lvl="0" indent="0" marL="0" algn="ctr">
+              <a:buNone/>
+            </a:pPr>
+            <a:r>
+              <a:rPr/>
+              <a:t>BAS</a:t>
+            </a:r>
+          </a:p>
+        </p:txBody>
+      </p:sp>
+    </p:spTree>
+  </p:cSld>
+</p:sld>
+</file>
+
+<file path=ppt/slides/slide18.xml><?xml version="1.0" encoding="utf-8"?>
+<p:sld xmlns:a="http://schemas.openxmlformats.org/drawingml/2006/main" xmlns:r="http://schemas.openxmlformats.org/officeDocument/2006/relationships" xmlns:p="http://schemas.openxmlformats.org/presentationml/2006/main">
+  <p:cSld>
+    <p:spTree>
+      <p:nvGrpSpPr>
+        <p:cNvPr id="1" name=""/>
+        <p:cNvGrpSpPr/>
+        <p:nvPr/>
+      </p:nvGrpSpPr>
+      <p:grpSpPr>
+        <a:xfrm>
+          <a:off x="0" y="0"/>
+          <a:ext cx="0" cy="0"/>
+          <a:chOff x="0" y="0"/>
+          <a:chExt cx="0" cy="0"/>
+        </a:xfrm>
+      </p:grpSpPr>
+      <p:sp>
+        <p:nvSpPr>
+          <p:cNvPr id="3" name="Content Placeholder 2"/>
+          <p:cNvSpPr>
+            <a:spLocks noGrp="1"/>
+          </p:cNvSpPr>
+          <p:nvPr>
+            <p:ph idx="1"/>
+          </p:nvPr>
+        </p:nvSpPr>
+        <p:spPr/>
+        <p:txBody>
+          <a:bodyPr/>
+          <a:lstStyle/>
+          <a:p>
+            <a:pPr lvl="0" indent="0" marL="0">
+              <a:spcBef>
+                <a:spcPts val="3000"/>
+              </a:spcBef>
+              <a:buNone/>
+            </a:pPr>
+            <a:r>
+              <a:rPr b="1"/>
+              <a:t>SIAFI</a:t>
+            </a:r>
+          </a:p>
+        </p:txBody>
+      </p:sp>
+    </p:spTree>
+  </p:cSld>
+</p:sld>
+</file>
+
+<file path=ppt/slides/slide19.xml><?xml version="1.0" encoding="utf-8"?>
+<p:sld xmlns:a="http://schemas.openxmlformats.org/drawingml/2006/main" xmlns:r="http://schemas.openxmlformats.org/officeDocument/2006/relationships" xmlns:p="http://schemas.openxmlformats.org/presentationml/2006/main">
+  <p:cSld>
+    <p:spTree>
+      <p:nvGrpSpPr>
+        <p:cNvPr id="1" name=""/>
+        <p:cNvGrpSpPr/>
+        <p:nvPr/>
+      </p:nvGrpSpPr>
+      <p:grpSpPr>
+        <a:xfrm>
+          <a:off x="0" y="0"/>
+          <a:ext cx="0" cy="0"/>
+          <a:chOff x="0" y="0"/>
+          <a:chExt cx="0" cy="0"/>
+        </a:xfrm>
+      </p:grpSpPr>
+      <p:pic>
+        <p:nvPicPr>
+          <p:cNvPr descr="images/init_top_crop.png" id="0" name="Picture 1"/>
+          <p:cNvPicPr>
+            <a:picLocks noGrp="1" noChangeAspect="1"/>
+          </p:cNvPicPr>
+          <p:nvPr/>
+        </p:nvPicPr>
+        <p:blipFill>
+          <a:blip r:embed="rId2"/>
+          <a:stretch>
+            <a:fillRect/>
+          </a:stretch>
+        </p:blipFill>
+        <p:spPr bwMode="auto">
+          <a:xfrm>
+            <a:off x="1041400" y="1193800"/>
+            <a:ext cx="2882900" cy="2882900"/>
+          </a:xfrm>
+          <a:prstGeom prst="rect">
+            <a:avLst/>
+          </a:prstGeom>
+          <a:noFill/>
+          <a:ln w="9525">
+            <a:noFill/>
+            <a:headEnd/>
+            <a:tailEnd/>
+          </a:ln>
+        </p:spPr>
+      </p:pic>
+      <p:sp>
+        <p:nvSpPr>
+          <p:cNvPr id="1" name="TextBox 3"/>
+          <p:cNvSpPr txBox="1"/>
+          <p:nvPr/>
+        </p:nvSpPr>
+        <p:spPr>
+          <a:xfrm>
+            <a:off x="457200" y="4076700"/>
+            <a:ext cx="4038600" cy="508000"/>
+          </a:xfrm>
+          <a:prstGeom prst="rect">
+            <a:avLst/>
+          </a:prstGeom>
+          <a:noFill/>
+        </p:spPr>
+        <p:txBody>
+          <a:bodyPr/>
+          <a:lstStyle/>
+          <a:p>
+            <a:pPr lvl="0" indent="0" marL="0" algn="ctr">
+              <a:buNone/>
+            </a:pPr>
+            <a:r>
+              <a:rPr/>
+              <a:t>Initial</a:t>
+            </a:r>
+          </a:p>
+        </p:txBody>
+      </p:sp>
+      <p:pic>
+        <p:nvPicPr>
+          <p:cNvPr descr="images/sim_siafi_top_crop.png" id="0" name="Picture 1"/>
+          <p:cNvPicPr>
+            <a:picLocks noGrp="1" noChangeAspect="1"/>
+          </p:cNvPicPr>
+          <p:nvPr/>
+        </p:nvPicPr>
+        <p:blipFill>
+          <a:blip r:embed="rId3"/>
+          <a:stretch>
+            <a:fillRect/>
+          </a:stretch>
+        </p:blipFill>
+        <p:spPr bwMode="auto">
+          <a:xfrm>
+            <a:off x="5232400" y="1193800"/>
+            <a:ext cx="2882900" cy="2882900"/>
+          </a:xfrm>
+          <a:prstGeom prst="rect">
+            <a:avLst/>
+          </a:prstGeom>
+          <a:noFill/>
+          <a:ln w="9525">
+            <a:noFill/>
+            <a:headEnd/>
+            <a:tailEnd/>
+          </a:ln>
+        </p:spPr>
+      </p:pic>
+      <p:sp>
+        <p:nvSpPr>
+          <p:cNvPr id="1" name="TextBox 3"/>
+          <p:cNvSpPr txBox="1"/>
+          <p:nvPr/>
+        </p:nvSpPr>
+        <p:spPr>
+          <a:xfrm>
+            <a:off x="4648200" y="4076700"/>
+            <a:ext cx="4038600" cy="508000"/>
+          </a:xfrm>
+          <a:prstGeom prst="rect">
+            <a:avLst/>
+          </a:prstGeom>
+          <a:noFill/>
+        </p:spPr>
+        <p:txBody>
+          <a:bodyPr/>
+          <a:lstStyle/>
+          <a:p>
+            <a:pPr lvl="0" indent="0" marL="0" algn="ctr">
+              <a:buNone/>
+            </a:pPr>
+            <a:r>
+              <a:rPr/>
+              <a:t>SIAFI</a:t>
+            </a:r>
+          </a:p>
+        </p:txBody>
+      </p:sp>
+    </p:spTree>
+  </p:cSld>
+</p:sld>
+</file>
+
+<file path=ppt/slides/slide2.xml><?xml version="1.0" encoding="utf-8"?>
+<p:sld xmlns:a="http://schemas.openxmlformats.org/drawingml/2006/main" xmlns:r="http://schemas.openxmlformats.org/officeDocument/2006/relationships" xmlns:p="http://schemas.openxmlformats.org/presentationml/2006/main">
+  <p:cSld>
+    <p:spTree>
+      <p:nvGrpSpPr>
+        <p:cNvPr id="1" name=""/>
+        <p:cNvGrpSpPr/>
+        <p:nvPr/>
+      </p:nvGrpSpPr>
+      <p:grpSpPr>
+        <a:xfrm>
+          <a:off x="0" y="0"/>
+          <a:ext cx="0" cy="0"/>
+          <a:chOff x="0" y="0"/>
+          <a:chExt cx="0" cy="0"/>
+        </a:xfrm>
+      </p:grpSpPr>
+      <p:sp>
+        <p:nvSpPr>
+          <p:cNvPr id="2" name="Title 1"/>
+          <p:cNvSpPr>
+            <a:spLocks noGrp="1"/>
+          </p:cNvSpPr>
+          <p:nvPr>
+            <p:ph type="title"/>
+          </p:nvPr>
+        </p:nvSpPr>
+        <p:spPr/>
+        <p:txBody>
+          <a:bodyPr/>
+          <a:lstStyle/>
+          <a:p>
+            <a:pPr lvl="0" indent="0" marL="0">
+              <a:buNone/>
+            </a:pPr>
+            <a:r>
+              <a:rPr/>
+              <a:t>Table of contents</a:t>
+            </a:r>
+          </a:p>
+        </p:txBody>
+      </p:sp>
+      <p:sp>
+        <p:nvSpPr>
+          <p:cNvPr id="3" name="Content Placeholder 2"/>
+          <p:cNvSpPr>
+            <a:spLocks noGrp="1"/>
+          </p:cNvSpPr>
+          <p:nvPr>
+            <p:ph idx="1"/>
+          </p:nvPr>
+        </p:nvSpPr>
+        <p:spPr/>
+        <p:txBody>
+          <a:bodyPr/>
+          <a:lstStyle/>
+          <a:p>
+            <a:pPr lvl="0"/>
+            <a:r>
+              <a:rPr>
+                <a:hlinkClick r:id="rId2" action="ppaction://hlinksldjump"/>
+              </a:rPr>
+              <a:t>Instructions</a:t>
+            </a:r>
+          </a:p>
+          <a:p>
+            <a:pPr lvl="0"/>
+            <a:r>
+              <a:rPr>
+                <a:hlinkClick r:id="rId3" action="ppaction://hlinksldjump"/>
+              </a:rPr>
+              <a:t>Status quo</a:t>
+            </a:r>
+          </a:p>
+          <a:p>
+            <a:pPr lvl="1"/>
+            <a:r>
+              <a:rPr>
+                <a:hlinkClick r:id="rId4" action="ppaction://hlinksldjump"/>
+              </a:rPr>
+              <a:t>Species and Structure</a:t>
+            </a:r>
+          </a:p>
+          <a:p>
+            <a:pPr lvl="1"/>
+            <a:r>
+              <a:rPr>
+                <a:hlinkClick r:id="rId5" action="ppaction://hlinksldjump"/>
+              </a:rPr>
+              <a:t>Climate and nutrition</a:t>
+            </a:r>
+          </a:p>
+          <a:p>
+            <a:pPr lvl="1"/>
+            <a:r>
+              <a:rPr>
+                <a:hlinkClick r:id="rId6" action="ppaction://hlinksldjump"/>
+              </a:rPr>
+              <a:t>Mixture Recommendation</a:t>
+            </a:r>
+          </a:p>
+          <a:p>
+            <a:pPr lvl="1"/>
+            <a:r>
+              <a:rPr>
+                <a:hlinkClick r:id="rId7" action="ppaction://hlinksldjump"/>
+              </a:rPr>
+              <a:t>Stakeholder</a:t>
+            </a:r>
+          </a:p>
+          <a:p>
+            <a:pPr lvl="1"/>
+            <a:r>
+              <a:rPr>
+                <a:hlinkClick r:id="rId8" action="ppaction://hlinksldjump"/>
+              </a:rPr>
+              <a:t>Target mixture</a:t>
+            </a:r>
+          </a:p>
+          <a:p>
+            <a:pPr lvl="1"/>
+            <a:r>
+              <a:rPr>
+                <a:hlinkClick r:id="rId9" action="ppaction://hlinksldjump"/>
+              </a:rPr>
+              <a:t>Ecological characteristics of the tree species</a:t>
+            </a:r>
+          </a:p>
+          <a:p>
+            <a:pPr lvl="1"/>
+            <a:r>
+              <a:rPr>
+                <a:hlinkClick r:id="rId10" action="ppaction://hlinksldjump"/>
+              </a:rPr>
+              <a:t>Species behaviour in monoculture stands</a:t>
+            </a:r>
+          </a:p>
+          <a:p>
+            <a:pPr lvl="0"/>
+            <a:r>
+              <a:rPr>
+                <a:hlinkClick r:id="rId11" action="ppaction://hlinksldjump"/>
+              </a:rPr>
+              <a:t>Modeling</a:t>
+            </a:r>
+          </a:p>
+          <a:p>
+            <a:pPr lvl="1"/>
+            <a:r>
+              <a:rPr>
+                <a:hlinkClick r:id="rId12" action="ppaction://hlinksldjump"/>
+              </a:rPr>
+              <a:t>Timeframe</a:t>
+            </a:r>
+          </a:p>
+          <a:p>
+            <a:pPr lvl="1"/>
+            <a:r>
+              <a:rPr>
+                <a:hlinkClick r:id="rId13" action="ppaction://hlinksldjump"/>
+              </a:rPr>
+              <a:t>Initial tree stand parameters</a:t>
+            </a:r>
+          </a:p>
+          <a:p>
+            <a:pPr lvl="1"/>
+            <a:r>
+              <a:rPr>
+                <a:hlinkClick r:id="rId14" action="ppaction://hlinksldjump"/>
+              </a:rPr>
+              <a:t>Initial tree stand side view</a:t>
+            </a:r>
+          </a:p>
+          <a:p>
+            <a:pPr lvl="1"/>
+            <a:r>
+              <a:rPr>
+                <a:hlinkClick r:id="rId15" action="ppaction://hlinksldjump"/>
+              </a:rPr>
+              <a:t>Initial tree stand top view</a:t>
+            </a:r>
+          </a:p>
+          <a:p>
+            <a:pPr lvl="1"/>
+            <a:r>
+              <a:rPr>
+                <a:hlinkClick r:id="rId16" action="ppaction://hlinksldjump"/>
+              </a:rPr>
+              <a:t>Thinning parameters</a:t>
+            </a:r>
+          </a:p>
+          <a:p>
+            <a:pPr lvl="1"/>
+            <a:r>
+              <a:rPr>
+                <a:hlinkClick r:id="rId17" action="ppaction://hlinksldjump"/>
+              </a:rPr>
+              <a:t>BAS - Business as usual</a:t>
+            </a:r>
+          </a:p>
+          <a:p>
+            <a:pPr lvl="1"/>
+            <a:r>
+              <a:rPr>
+                <a:hlinkClick r:id="rId18" action="ppaction://hlinksldjump"/>
+              </a:rPr>
+              <a:t>SIAFI - Set it and forget it</a:t>
+            </a:r>
+          </a:p>
+          <a:p>
+            <a:pPr lvl="2"/>
+            <a:r>
+              <a:rPr>
+                <a:hlinkClick r:id="rId19" action="ppaction://hlinksldjump"/>
+              </a:rPr>
+              <a:t>Future Crop Trees</a:t>
+            </a:r>
+          </a:p>
+          <a:p>
+            <a:pPr lvl="1"/>
+            <a:r>
+              <a:rPr>
+                <a:hlinkClick r:id="rId20" action="ppaction://hlinksldjump"/>
+              </a:rPr>
+              <a:t>SIAFI - Set it and forget it</a:t>
+            </a:r>
+          </a:p>
+          <a:p>
+            <a:pPr lvl="1"/>
+            <a:r>
+              <a:rPr>
+                <a:hlinkClick r:id="rId21" action="ppaction://hlinksldjump"/>
+              </a:rPr>
+              <a:t>HE - High effort</a:t>
+            </a:r>
+          </a:p>
+          <a:p>
+            <a:pPr lvl="2"/>
+            <a:r>
+              <a:rPr>
+                <a:hlinkClick r:id="rId22" action="ppaction://hlinksldjump"/>
+              </a:rPr>
+              <a:t>Selective thinning</a:t>
+            </a:r>
+          </a:p>
+          <a:p>
+            <a:pPr lvl="0"/>
+            <a:r>
+              <a:rPr>
+                <a:hlinkClick r:id="rId23" action="ppaction://hlinksldjump"/>
+              </a:rPr>
+              <a:t>Outcomes</a:t>
+            </a:r>
+          </a:p>
+          <a:p>
+            <a:pPr lvl="1"/>
+            <a:r>
+              <a:rPr>
+                <a:hlinkClick r:id="rId24" action="ppaction://hlinksldjump"/>
+              </a:rPr>
+              <a:t>BAS</a:t>
+            </a:r>
+          </a:p>
+          <a:p>
+            <a:pPr lvl="1"/>
+            <a:r>
+              <a:rPr>
+                <a:hlinkClick r:id="rId25" action="ppaction://hlinksldjump"/>
+              </a:rPr>
+              <a:t>SIAFI</a:t>
+            </a:r>
+          </a:p>
+          <a:p>
+            <a:pPr lvl="1"/>
+            <a:r>
+              <a:rPr>
+                <a:hlinkClick r:id="rId26" action="ppaction://hlinksldjump"/>
+              </a:rPr>
+              <a:t>HE</a:t>
+            </a:r>
+          </a:p>
+          <a:p>
+            <a:pPr lvl="0"/>
+            <a:r>
+              <a:rPr>
+                <a:hlinkClick r:id="rId27" action="ppaction://hlinksldjump"/>
+              </a:rPr>
+              <a:t>Notes</a:t>
+            </a:r>
+          </a:p>
+        </p:txBody>
+      </p:sp>
+    </p:spTree>
+  </p:cSld>
+</p:sld>
+</file>
+
+<file path=ppt/slides/slide20.xml><?xml version="1.0" encoding="utf-8"?>
+<p:sld xmlns:a="http://schemas.openxmlformats.org/drawingml/2006/main" xmlns:r="http://schemas.openxmlformats.org/officeDocument/2006/relationships" xmlns:p="http://schemas.openxmlformats.org/presentationml/2006/main">
+  <p:cSld>
+    <p:spTree>
+      <p:nvGrpSpPr>
+        <p:cNvPr id="1" name=""/>
+        <p:cNvGrpSpPr/>
+        <p:nvPr/>
+      </p:nvGrpSpPr>
+      <p:grpSpPr>
+        <a:xfrm>
+          <a:off x="0" y="0"/>
+          <a:ext cx="0" cy="0"/>
+          <a:chOff x="0" y="0"/>
+          <a:chExt cx="0" cy="0"/>
+        </a:xfrm>
+      </p:grpSpPr>
+      <p:sp>
+        <p:nvSpPr>
+          <p:cNvPr id="3" name="Content Placeholder 2"/>
+          <p:cNvSpPr>
+            <a:spLocks noGrp="1"/>
+          </p:cNvSpPr>
+          <p:nvPr>
+            <p:ph idx="1"/>
+          </p:nvPr>
+        </p:nvSpPr>
+        <p:spPr/>
+        <p:txBody>
+          <a:bodyPr/>
+          <a:lstStyle/>
+          <a:p>
+            <a:pPr lvl="0" indent="0" marL="0">
+              <a:spcBef>
+                <a:spcPts val="3000"/>
+              </a:spcBef>
+              <a:buNone/>
+            </a:pPr>
+            <a:r>
+              <a:rPr b="1"/>
+              <a:t>HE</a:t>
+            </a:r>
+          </a:p>
+        </p:txBody>
+      </p:sp>
+    </p:spTree>
+  </p:cSld>
+</p:sld>
+</file>
+
+<file path=ppt/slides/slide21.xml><?xml version="1.0" encoding="utf-8"?>
+<p:sld xmlns:a="http://schemas.openxmlformats.org/drawingml/2006/main" xmlns:r="http://schemas.openxmlformats.org/officeDocument/2006/relationships" xmlns:p="http://schemas.openxmlformats.org/presentationml/2006/main">
+  <p:cSld>
+    <p:spTree>
+      <p:nvGrpSpPr>
+        <p:cNvPr id="1" name=""/>
+        <p:cNvGrpSpPr/>
+        <p:nvPr/>
+      </p:nvGrpSpPr>
+      <p:grpSpPr>
+        <a:xfrm>
+          <a:off x="0" y="0"/>
+          <a:ext cx="0" cy="0"/>
+          <a:chOff x="0" y="0"/>
+          <a:chExt cx="0" cy="0"/>
+        </a:xfrm>
+      </p:grpSpPr>
+      <p:pic>
+        <p:nvPicPr>
+          <p:cNvPr descr="images/init_top_crop.png" id="0" name="Picture 1"/>
+          <p:cNvPicPr>
+            <a:picLocks noGrp="1" noChangeAspect="1"/>
+          </p:cNvPicPr>
+          <p:nvPr/>
+        </p:nvPicPr>
+        <p:blipFill>
+          <a:blip r:embed="rId2"/>
+          <a:stretch>
+            <a:fillRect/>
+          </a:stretch>
+        </p:blipFill>
+        <p:spPr bwMode="auto">
+          <a:xfrm>
+            <a:off x="1041400" y="1193800"/>
+            <a:ext cx="2882900" cy="2882900"/>
+          </a:xfrm>
+          <a:prstGeom prst="rect">
+            <a:avLst/>
+          </a:prstGeom>
+          <a:noFill/>
+          <a:ln w="9525">
+            <a:noFill/>
+            <a:headEnd/>
+            <a:tailEnd/>
+          </a:ln>
+        </p:spPr>
+      </p:pic>
+      <p:sp>
+        <p:nvSpPr>
+          <p:cNvPr id="1" name="TextBox 3"/>
+          <p:cNvSpPr txBox="1"/>
+          <p:nvPr/>
+        </p:nvSpPr>
+        <p:spPr>
+          <a:xfrm>
+            <a:off x="457200" y="4076700"/>
+            <a:ext cx="4038600" cy="508000"/>
+          </a:xfrm>
+          <a:prstGeom prst="rect">
+            <a:avLst/>
+          </a:prstGeom>
+          <a:noFill/>
+        </p:spPr>
+        <p:txBody>
+          <a:bodyPr/>
+          <a:lstStyle/>
+          <a:p>
+            <a:pPr lvl="0" indent="0" marL="0" algn="ctr">
+              <a:buNone/>
+            </a:pPr>
+            <a:r>
+              <a:rPr/>
+              <a:t>Initial</a:t>
+            </a:r>
+          </a:p>
+        </p:txBody>
+      </p:sp>
+      <p:pic>
+        <p:nvPicPr>
+          <p:cNvPr descr="images/sim_he_top_crop.png" id="0" name="Picture 1"/>
+          <p:cNvPicPr>
+            <a:picLocks noGrp="1" noChangeAspect="1"/>
+          </p:cNvPicPr>
+          <p:nvPr/>
+        </p:nvPicPr>
+        <p:blipFill>
+          <a:blip r:embed="rId3"/>
+          <a:stretch>
+            <a:fillRect/>
+          </a:stretch>
+        </p:blipFill>
+        <p:spPr bwMode="auto">
+          <a:xfrm>
+            <a:off x="5232400" y="1193800"/>
+            <a:ext cx="2882900" cy="2882900"/>
+          </a:xfrm>
+          <a:prstGeom prst="rect">
+            <a:avLst/>
+          </a:prstGeom>
+          <a:noFill/>
+          <a:ln w="9525">
+            <a:noFill/>
+            <a:headEnd/>
+            <a:tailEnd/>
+          </a:ln>
+        </p:spPr>
+      </p:pic>
+      <p:sp>
+        <p:nvSpPr>
+          <p:cNvPr id="1" name="TextBox 3"/>
+          <p:cNvSpPr txBox="1"/>
+          <p:nvPr/>
+        </p:nvSpPr>
+        <p:spPr>
+          <a:xfrm>
+            <a:off x="4648200" y="4076700"/>
+            <a:ext cx="4038600" cy="508000"/>
+          </a:xfrm>
+          <a:prstGeom prst="rect">
+            <a:avLst/>
+          </a:prstGeom>
+          <a:noFill/>
+        </p:spPr>
+        <p:txBody>
+          <a:bodyPr/>
+          <a:lstStyle/>
+          <a:p>
+            <a:pPr lvl="0" indent="0" marL="0" algn="ctr">
+              <a:buNone/>
+            </a:pPr>
+            <a:r>
+              <a:rPr/>
+              <a:t>HE</a:t>
+            </a:r>
+          </a:p>
+        </p:txBody>
+      </p:sp>
+    </p:spTree>
+  </p:cSld>
+</p:sld>
+</file>
+
+<file path=ppt/slides/slide22.xml><?xml version="1.0" encoding="utf-8"?>
 <p:sld xmlns:a="http://schemas.openxmlformats.org/drawingml/2006/main" xmlns:r="http://schemas.openxmlformats.org/officeDocument/2006/relationships" xmlns:p="http://schemas.openxmlformats.org/presentationml/2006/main">
   <p:cSld>
     <p:spTree>
@@ -4203,7 +5742,7 @@
                                 <m:nor/>
                                 <m:sty m:val="p"/>
                               </m:rPr>
-                              <m:t>Future trees mono</m:t>
+                              <m:t>Future trees monoculture</m:t>
                             </m:r>
                           </m:e>
                         </m:d>
@@ -4287,62 +5826,19 @@
                   </m:oMath>
                 </a14:m>
               </a:p>
+              <a:p>
+                <a:pPr lvl="0" indent="0" marL="0">
+                  <a:buNone/>
+                </a:pPr>
+                <a:r>
+                  <a:rPr sz="1800"/>
+                  <a:t>3. Summand = 0</a:t>
+                </a:r>
+              </a:p>
             </p:txBody>
           </p:sp>
         </mc:Choice>
       </mc:AlternateContent>
-    </p:spTree>
-  </p:cSld>
-</p:sld>
-</file>
-
-<file path=ppt/slides/slide2.xml><?xml version="1.0" encoding="utf-8"?>
-<p:sld xmlns:a="http://schemas.openxmlformats.org/drawingml/2006/main" xmlns:r="http://schemas.openxmlformats.org/officeDocument/2006/relationships" xmlns:p="http://schemas.openxmlformats.org/presentationml/2006/main">
-  <p:cSld>
-    <p:spTree>
-      <p:nvGrpSpPr>
-        <p:cNvPr id="1" name=""/>
-        <p:cNvGrpSpPr/>
-        <p:nvPr/>
-      </p:nvGrpSpPr>
-      <p:grpSpPr>
-        <a:xfrm>
-          <a:off x="0" y="0"/>
-          <a:ext cx="0" cy="0"/>
-          <a:chOff x="0" y="0"/>
-          <a:chExt cx="0" cy="0"/>
-        </a:xfrm>
-      </p:grpSpPr>
-      <p:sp>
-        <p:nvSpPr>
-          <p:cNvPr id="2" name="Title 1"/>
-          <p:cNvSpPr>
-            <a:spLocks noGrp="1"/>
-          </p:cNvSpPr>
-          <p:nvPr>
-            <p:ph type="title"/>
-          </p:nvPr>
-        </p:nvSpPr>
-        <p:spPr>
-          <a:xfrm>
-            <a:off x="722313" y="3305176"/>
-            <a:ext cx="7772400" cy="1021556"/>
-          </a:xfrm>
-        </p:spPr>
-        <p:txBody>
-          <a:bodyPr/>
-          <a:lstStyle/>
-          <a:p>
-            <a:pPr lvl="0" indent="0" marL="0">
-              <a:buNone/>
-            </a:pPr>
-            <a:r>
-              <a:rPr/>
-              <a:t>Status quo</a:t>
-            </a:r>
-          </a:p>
-        </p:txBody>
-      </p:sp>
     </p:spTree>
   </p:cSld>
 </p:sld>
@@ -4385,278 +5881,76 @@
             </a:pPr>
             <a:r>
               <a:rPr/>
-              <a:t>Species and Structure</a:t>
-            </a:r>
-          </a:p>
-        </p:txBody>
-      </p:sp>
-      <p:graphicFrame>
-        <p:nvGraphicFramePr>
-          <p:cNvPr id="6" name="Content Placeholder 5"/>
-          <p:cNvGraphicFramePr>
-            <a:graphicFrameLocks noGrp="1"/>
-          </p:cNvGraphicFramePr>
+              <a:t>Instructions</a:t>
+            </a:r>
+          </a:p>
+        </p:txBody>
+      </p:sp>
+      <p:sp>
+        <p:nvSpPr>
+          <p:cNvPr id="3" name="Content Placeholder 2"/>
+          <p:cNvSpPr>
+            <a:spLocks noGrp="1"/>
+          </p:cNvSpPr>
           <p:nvPr>
             <p:ph idx="1"/>
           </p:nvPr>
-        </p:nvGraphicFramePr>
-        <p:xfrm>
-          <a:off x="457200" y="1193800"/>
-          <a:ext cx="8229600" cy="3390900"/>
-        </p:xfrm>
-        <a:graphic>
-          <a:graphicData uri="http://schemas.openxmlformats.org/drawingml/2006/table">
-            <a:tbl>
-              <a:tblPr firstRow="1" bandRow="1">
-                <a:tableStyleId>{5C22544A-7EE6-4342-B048-85BDC9FD1C3A}</a:tableStyleId>
-              </a:tblPr>
-              <a:tblGrid>
-                <a:gridCol w="2743200"/>
-                <a:gridCol w="2743200"/>
-                <a:gridCol w="2743200"/>
-              </a:tblGrid>
-              <a:tr h="0">
-                <a:tc>
-                  <a:txBody>
-                    <a:bodyPr/>
-                    <a:lstStyle/>
-                    <a:p>
-                      <a:pPr lvl="0" indent="0" marL="0">
-                        <a:buNone/>
-                      </a:pPr>
-                      <a:r>
-                        <a:rPr/>
-                        <a:t>Species</a:t>
-                      </a:r>
-                    </a:p>
-                  </a:txBody>
-                  <a:tcPr/>
-                </a:tc>
-                <a:tc>
-                  <a:txBody>
-                    <a:bodyPr/>
-                    <a:lstStyle/>
-                    <a:p>
-                      <a:pPr lvl="0" indent="0" marL="0">
-                        <a:buNone/>
-                      </a:pPr>
-                      <a:r>
-                        <a:rPr/>
-                        <a:t>~Age (Years)</a:t>
-                      </a:r>
-                    </a:p>
-                  </a:txBody>
-                  <a:tcPr/>
-                </a:tc>
-                <a:tc>
-                  <a:txBody>
-                    <a:bodyPr/>
-                    <a:lstStyle/>
-                    <a:p>
-                      <a:pPr lvl="0" indent="0" marL="0">
-                        <a:buNone/>
-                      </a:pPr>
-                      <a:r>
-                        <a:rPr/>
-                        <a:t>Structural unit</a:t>
-                      </a:r>
-                    </a:p>
-                  </a:txBody>
-                  <a:tcPr/>
-                </a:tc>
-              </a:tr>
-              <a:tr h="0">
-                <a:tc>
-                  <a:txBody>
-                    <a:bodyPr/>
-                    <a:lstStyle/>
-                    <a:p>
-                      <a:pPr lvl="0" indent="0" marL="0">
-                        <a:buNone/>
-                      </a:pPr>
-                      <a:r>
-                        <a:rPr/>
-                        <a:t>Scots Pine</a:t>
-                      </a:r>
-                    </a:p>
-                  </a:txBody>
-                </a:tc>
-                <a:tc>
-                  <a:txBody>
-                    <a:bodyPr/>
-                    <a:lstStyle/>
-                    <a:p>
-                      <a:pPr lvl="0" indent="0" marL="0">
-                        <a:buNone/>
-                      </a:pPr>
-                      <a:r>
-                        <a:rPr/>
-                        <a:t>120</a:t>
-                      </a:r>
-                    </a:p>
-                  </a:txBody>
-                </a:tc>
-                <a:tc>
-                  <a:txBody>
-                    <a:bodyPr/>
-                    <a:lstStyle/>
-                    <a:p>
-                      <a:pPr lvl="0" indent="0" marL="0">
-                        <a:buNone/>
-                      </a:pPr>
-                      <a:r>
-                        <a:rPr/>
-                        <a:t>Dominant</a:t>
-                      </a:r>
-                    </a:p>
-                  </a:txBody>
-                </a:tc>
-              </a:tr>
-              <a:tr h="0">
-                <a:tc>
-                  <a:txBody>
-                    <a:bodyPr/>
-                    <a:lstStyle/>
-                    <a:p>
-                      <a:pPr lvl="0" indent="0" marL="0">
-                        <a:buNone/>
-                      </a:pPr>
-                      <a:r>
-                        <a:rPr/>
-                        <a:t>European Beech</a:t>
-                      </a:r>
-                    </a:p>
-                  </a:txBody>
-                </a:tc>
-                <a:tc>
-                  <a:txBody>
-                    <a:bodyPr/>
-                    <a:lstStyle/>
-                    <a:p>
-                      <a:pPr lvl="0" indent="0" marL="0">
-                        <a:buNone/>
-                      </a:pPr>
-                      <a:r>
-                        <a:rPr/>
-                        <a:t>60</a:t>
-                      </a:r>
-                    </a:p>
-                  </a:txBody>
-                </a:tc>
-                <a:tc>
-                  <a:txBody>
-                    <a:bodyPr/>
-                    <a:lstStyle/>
-                    <a:p>
-                      <a:pPr lvl="0" indent="0" marL="0">
-                        <a:buNone/>
-                      </a:pPr>
-                      <a:r>
-                        <a:rPr/>
-                        <a:t>Second layer</a:t>
-                      </a:r>
-                    </a:p>
-                  </a:txBody>
-                </a:tc>
-              </a:tr>
-              <a:tr h="0">
-                <a:tc>
-                  <a:txBody>
-                    <a:bodyPr/>
-                    <a:lstStyle/>
-                    <a:p>
-                      <a:pPr lvl="0" indent="0" marL="0">
-                        <a:buNone/>
-                      </a:pPr>
-                      <a:r>
-                        <a:rPr/>
-                        <a:t>Norway Spruce</a:t>
-                      </a:r>
-                    </a:p>
-                  </a:txBody>
-                </a:tc>
-                <a:tc>
-                  <a:txBody>
-                    <a:bodyPr/>
-                    <a:lstStyle/>
-                    <a:p>
-                      <a:pPr lvl="0" indent="0" marL="0">
-                        <a:buNone/>
-                      </a:pPr>
-                      <a:r>
-                        <a:rPr/>
-                        <a:t>40</a:t>
-                      </a:r>
-                    </a:p>
-                  </a:txBody>
-                </a:tc>
-                <a:tc>
-                  <a:txBody>
-                    <a:bodyPr/>
-                    <a:lstStyle/>
-                    <a:p>
-                      <a:pPr lvl="0" indent="0" marL="0">
-                        <a:buNone/>
-                      </a:pPr>
-                      <a:r>
-                        <a:rPr/>
-                        <a:t>Planted Group</a:t>
-                      </a:r>
-                    </a:p>
-                  </a:txBody>
-                </a:tc>
-              </a:tr>
-              <a:tr h="0">
-                <a:tc>
-                  <a:txBody>
-                    <a:bodyPr/>
-                    <a:lstStyle/>
-                    <a:p>
-                      <a:pPr lvl="0" indent="0" marL="0">
-                        <a:buNone/>
-                      </a:pPr>
-                      <a:r>
-                        <a:rPr/>
-                        <a:t>Sessile Oak</a:t>
-                      </a:r>
-                    </a:p>
-                  </a:txBody>
-                </a:tc>
-                <a:tc>
-                  <a:txBody>
-                    <a:bodyPr/>
-                    <a:lstStyle/>
-                    <a:p>
-                      <a:pPr lvl="0" indent="0" marL="0">
-                        <a:buNone/>
-                      </a:pPr>
-                      <a:r>
-                        <a:rPr/>
-                        <a:t>40</a:t>
-                      </a:r>
-                    </a:p>
-                  </a:txBody>
-                </a:tc>
-                <a:tc>
-                  <a:txBody>
-                    <a:bodyPr/>
-                    <a:lstStyle/>
-                    <a:p>
-                      <a:pPr lvl="0" indent="0" marL="0">
-                        <a:buNone/>
-                      </a:pPr>
-                      <a:r>
-                        <a:rPr/>
-                        <a:t>Single Trees</a:t>
-                      </a:r>
-                    </a:p>
-                  </a:txBody>
-                </a:tc>
-              </a:tr>
-            </a:tbl>
-          </a:graphicData>
-        </a:graphic>
-      </p:graphicFrame>
+        </p:nvSpPr>
+        <p:spPr/>
+        <p:txBody>
+          <a:bodyPr/>
+          <a:lstStyle/>
+          <a:p>
+            <a:pPr lvl="0"/>
+            <a:r>
+              <a:rPr/>
+              <a:t>Every first or second level heading makes a new slide</a:t>
+            </a:r>
+          </a:p>
+          <a:p>
+            <a:pPr lvl="0"/>
+            <a:r>
+              <a:rPr/>
+              <a:t>No more than 7 to 8 lines per Slide</a:t>
+            </a:r>
+          </a:p>
+          <a:p>
+            <a:pPr lvl="0"/>
+            <a:r>
+              <a:rPr/>
+              <a:t>Insert images</a:t>
+            </a:r>
+          </a:p>
+          <a:p>
+            <a:pPr lvl="1"/>
+            <a:r>
+              <a:rPr/>
+              <a:t>upload them into the “images” folder</a:t>
+            </a:r>
+          </a:p>
+          <a:p>
+            <a:pPr lvl="1"/>
+            <a:r>
+              <a:rPr/>
+              <a:t>add from there</a:t>
+            </a:r>
+          </a:p>
+          <a:p>
+            <a:pPr lvl="0"/>
+            <a:r>
+              <a:rPr/>
+              <a:t>The slides will basically look like this document already does.</a:t>
+            </a:r>
+          </a:p>
+          <a:p>
+            <a:pPr lvl="0"/>
+            <a:r>
+              <a:rPr/>
+              <a:t>I will fit it all for tomorrow</a:t>
+            </a:r>
+          </a:p>
+        </p:txBody>
+      </p:sp>
     </p:spTree>
   </p:cSld>
 </p:sld>
@@ -4689,17 +5983,50 @@
             <p:ph type="title"/>
           </p:nvPr>
         </p:nvSpPr>
+        <p:spPr>
+          <a:xfrm>
+            <a:off x="457201" y="204787"/>
+            <a:ext cx="3008313" cy="871538"/>
+          </a:xfrm>
+        </p:spPr>
+        <p:txBody>
+          <a:bodyPr/>
+          <a:lstStyle/>
+          <a:p>
+            <a:pPr lvl="0" indent="0" marL="0">
+              <a:buNone/>
+            </a:pPr>
+            <a:r>
+              <a:rPr/>
+              <a:t>Status quo</a:t>
+            </a:r>
+          </a:p>
+        </p:txBody>
+      </p:sp>
+      <p:sp>
+        <p:nvSpPr>
+          <p:cNvPr id="4" name="Text Placeholder 3"/>
+          <p:cNvSpPr>
+            <a:spLocks noGrp="1"/>
+          </p:cNvSpPr>
+          <p:nvPr>
+            <p:ph idx="2" sz="half" type="body"/>
+          </p:nvPr>
+        </p:nvSpPr>
         <p:spPr/>
         <p:txBody>
           <a:bodyPr/>
           <a:lstStyle/>
           <a:p>
             <a:pPr lvl="0" indent="0" marL="0">
+              <a:spcBef>
+                <a:spcPts val="3000"/>
+              </a:spcBef>
               <a:buNone/>
             </a:pPr>
             <a:r>
-              <a:rPr/>
-              <a:t>Climate and nutrition</a:t>
+              <a:rPr b="1"/>
+              <a:t>Species and Structure</a:t>
             </a:r>
           </a:p>
         </p:txBody>
@@ -4715,8 +6042,8 @@
           </p:nvPr>
         </p:nvGraphicFramePr>
         <p:xfrm>
-          <a:off x="457200" y="1193800"/>
-          <a:ext cx="8229600" cy="3390900"/>
+          <a:off x="3568700" y="203200"/>
+          <a:ext cx="5105400" cy="4381500"/>
         </p:xfrm>
         <a:graphic>
           <a:graphicData uri="http://schemas.openxmlformats.org/drawingml/2006/table">
@@ -4725,9 +6052,9 @@
                 <a:tableStyleId>{5C22544A-7EE6-4342-B048-85BDC9FD1C3A}</a:tableStyleId>
               </a:tblPr>
               <a:tblGrid>
-                <a:gridCol w="2743200"/>
-                <a:gridCol w="2743200"/>
-                <a:gridCol w="2743200"/>
+                <a:gridCol w="1701800"/>
+                <a:gridCol w="1701800"/>
+                <a:gridCol w="1701800"/>
               </a:tblGrid>
               <a:tr h="0">
                 <a:tc>
@@ -4740,7 +6067,7 @@
                       </a:pPr>
                       <a:r>
                         <a:rPr/>
-                        <a:t>Parameter</a:t>
+                        <a:t>Species</a:t>
                       </a:r>
                     </a:p>
                   </a:txBody>
@@ -4756,7 +6083,7 @@
                       </a:pPr>
                       <a:r>
                         <a:rPr/>
-                        <a:t>Value</a:t>
+                        <a:t>~Age (Years)</a:t>
                       </a:r>
                     </a:p>
                   </a:txBody>
@@ -4772,7 +6099,7 @@
                       </a:pPr>
                       <a:r>
                         <a:rPr/>
-                        <a:t>Misc</a:t>
+                        <a:t>Structural unit</a:t>
                       </a:r>
                     </a:p>
                   </a:txBody>
@@ -4790,37 +6117,37 @@
                       </a:pPr>
                       <a:r>
                         <a:rPr/>
-                        <a:t>Growth District</a:t>
-                      </a:r>
-                    </a:p>
-                  </a:txBody>
-                </a:tc>
-                <a:tc>
-                  <a:txBody>
-                    <a:bodyPr/>
-                    <a:lstStyle/>
-                    <a:p>
-                      <a:pPr lvl="0" indent="0" marL="0">
-                        <a:buNone/>
-                      </a:pPr>
-                      <a:r>
-                        <a:rPr/>
-                        <a:t>99.10.19</a:t>
-                      </a:r>
-                    </a:p>
-                  </a:txBody>
-                </a:tc>
-                <a:tc>
-                  <a:txBody>
-                    <a:bodyPr/>
-                    <a:lstStyle/>
-                    <a:p>
-                      <a:pPr lvl="0" indent="0" marL="0">
-                        <a:buNone/>
-                      </a:pPr>
-                      <a:r>
-                        <a:rPr/>
-                        <a:t>Tramper Platte</a:t>
+                        <a:t>Scots Pine</a:t>
+                      </a:r>
+                    </a:p>
+                  </a:txBody>
+                </a:tc>
+                <a:tc>
+                  <a:txBody>
+                    <a:bodyPr/>
+                    <a:lstStyle/>
+                    <a:p>
+                      <a:pPr lvl="0" indent="0" marL="0">
+                        <a:buNone/>
+                      </a:pPr>
+                      <a:r>
+                        <a:rPr/>
+                        <a:t>120</a:t>
+                      </a:r>
+                    </a:p>
+                  </a:txBody>
+                </a:tc>
+                <a:tc>
+                  <a:txBody>
+                    <a:bodyPr/>
+                    <a:lstStyle/>
+                    <a:p>
+                      <a:pPr lvl="0" indent="0" marL="0">
+                        <a:buNone/>
+                      </a:pPr>
+                      <a:r>
+                        <a:rPr/>
+                        <a:t>Dominant</a:t>
                       </a:r>
                     </a:p>
                   </a:txBody>
@@ -4837,37 +6164,37 @@
                       </a:pPr>
                       <a:r>
                         <a:rPr/>
-                        <a:t>Soil freshness</a:t>
-                      </a:r>
-                    </a:p>
-                  </a:txBody>
-                </a:tc>
-                <a:tc>
-                  <a:txBody>
-                    <a:bodyPr/>
-                    <a:lstStyle/>
-                    <a:p>
-                      <a:pPr lvl="0" indent="0" marL="0">
-                        <a:buNone/>
-                      </a:pPr>
-                      <a:r>
-                        <a:rPr/>
-                        <a:t>m</a:t>
-                      </a:r>
-                    </a:p>
-                  </a:txBody>
-                </a:tc>
-                <a:tc>
-                  <a:txBody>
-                    <a:bodyPr/>
-                    <a:lstStyle/>
-                    <a:p>
-                      <a:pPr lvl="0" indent="0" marL="0">
-                        <a:buNone/>
-                      </a:pPr>
-                      <a:r>
-                        <a:rPr/>
-                        <a:t>Medium fresh</a:t>
+                        <a:t>European Beech</a:t>
+                      </a:r>
+                    </a:p>
+                  </a:txBody>
+                </a:tc>
+                <a:tc>
+                  <a:txBody>
+                    <a:bodyPr/>
+                    <a:lstStyle/>
+                    <a:p>
+                      <a:pPr lvl="0" indent="0" marL="0">
+                        <a:buNone/>
+                      </a:pPr>
+                      <a:r>
+                        <a:rPr/>
+                        <a:t>60</a:t>
+                      </a:r>
+                    </a:p>
+                  </a:txBody>
+                </a:tc>
+                <a:tc>
+                  <a:txBody>
+                    <a:bodyPr/>
+                    <a:lstStyle/>
+                    <a:p>
+                      <a:pPr lvl="0" indent="0" marL="0">
+                        <a:buNone/>
+                      </a:pPr>
+                      <a:r>
+                        <a:rPr/>
+                        <a:t>Second layer</a:t>
                       </a:r>
                     </a:p>
                   </a:txBody>
@@ -4884,37 +6211,84 @@
                       </a:pPr>
                       <a:r>
                         <a:rPr/>
-                        <a:t>Nutrition</a:t>
-                      </a:r>
-                    </a:p>
-                  </a:txBody>
-                </a:tc>
-                <a:tc>
-                  <a:txBody>
-                    <a:bodyPr/>
-                    <a:lstStyle/>
-                    <a:p>
-                      <a:pPr lvl="0" indent="0" marL="0">
-                        <a:buNone/>
-                      </a:pPr>
-                      <a:r>
-                        <a:rPr/>
-                        <a:t>M2</a:t>
-                      </a:r>
-                    </a:p>
-                  </a:txBody>
-                </a:tc>
-                <a:tc>
-                  <a:txBody>
-                    <a:bodyPr/>
-                    <a:lstStyle/>
-                    <a:p>
-                      <a:pPr lvl="0" indent="0" marL="0">
-                        <a:buNone/>
-                      </a:pPr>
-                      <a:r>
-                        <a:rPr/>
-                        <a:t>Slightly better medium</a:t>
+                        <a:t>Norway Spruce</a:t>
+                      </a:r>
+                    </a:p>
+                  </a:txBody>
+                </a:tc>
+                <a:tc>
+                  <a:txBody>
+                    <a:bodyPr/>
+                    <a:lstStyle/>
+                    <a:p>
+                      <a:pPr lvl="0" indent="0" marL="0">
+                        <a:buNone/>
+                      </a:pPr>
+                      <a:r>
+                        <a:rPr/>
+                        <a:t>40</a:t>
+                      </a:r>
+                    </a:p>
+                  </a:txBody>
+                </a:tc>
+                <a:tc>
+                  <a:txBody>
+                    <a:bodyPr/>
+                    <a:lstStyle/>
+                    <a:p>
+                      <a:pPr lvl="0" indent="0" marL="0">
+                        <a:buNone/>
+                      </a:pPr>
+                      <a:r>
+                        <a:rPr/>
+                        <a:t>Planted Group</a:t>
+                      </a:r>
+                    </a:p>
+                  </a:txBody>
+                </a:tc>
+              </a:tr>
+              <a:tr h="0">
+                <a:tc>
+                  <a:txBody>
+                    <a:bodyPr/>
+                    <a:lstStyle/>
+                    <a:p>
+                      <a:pPr lvl="0" indent="0" marL="0">
+                        <a:buNone/>
+                      </a:pPr>
+                      <a:r>
+                        <a:rPr/>
+                        <a:t>Sessile Oak</a:t>
+                      </a:r>
+                    </a:p>
+                  </a:txBody>
+                </a:tc>
+                <a:tc>
+                  <a:txBody>
+                    <a:bodyPr/>
+                    <a:lstStyle/>
+                    <a:p>
+                      <a:pPr lvl="0" indent="0" marL="0">
+                        <a:buNone/>
+                      </a:pPr>
+                      <a:r>
+                        <a:rPr/>
+                        <a:t>40</a:t>
+                      </a:r>
+                    </a:p>
+                  </a:txBody>
+                </a:tc>
+                <a:tc>
+                  <a:txBody>
+                    <a:bodyPr/>
+                    <a:lstStyle/>
+                    <a:p>
+                      <a:pPr lvl="0" indent="0" marL="0">
+                        <a:buNone/>
+                      </a:pPr>
+                      <a:r>
+                        <a:rPr/>
+                        <a:t>Single Trees</a:t>
                       </a:r>
                     </a:p>
                   </a:txBody>
@@ -4948,57 +6322,28 @@
       </p:grpSpPr>
       <p:sp>
         <p:nvSpPr>
-          <p:cNvPr id="2" name="Title 1"/>
-          <p:cNvSpPr>
-            <a:spLocks noGrp="1"/>
-          </p:cNvSpPr>
-          <p:nvPr>
-            <p:ph type="title"/>
-          </p:nvPr>
-        </p:nvSpPr>
-        <p:spPr>
-          <a:xfrm>
-            <a:off x="457201" y="204787"/>
-            <a:ext cx="3008313" cy="871538"/>
-          </a:xfrm>
-        </p:spPr>
+          <p:cNvPr id="4" name="Text Placeholder 3"/>
+          <p:cNvSpPr>
+            <a:spLocks noGrp="1"/>
+          </p:cNvSpPr>
+          <p:nvPr>
+            <p:ph idx="2" sz="half" type="body"/>
+          </p:nvPr>
+        </p:nvSpPr>
+        <p:spPr/>
         <p:txBody>
           <a:bodyPr/>
           <a:lstStyle/>
           <a:p>
             <a:pPr lvl="0" indent="0" marL="0">
+              <a:spcBef>
+                <a:spcPts val="3000"/>
+              </a:spcBef>
               <a:buNone/>
             </a:pPr>
             <a:r>
-              <a:rPr/>
-              <a:t>Mixture Recommendation</a:t>
-            </a:r>
-          </a:p>
-        </p:txBody>
-      </p:sp>
-      <p:sp>
-        <p:nvSpPr>
-          <p:cNvPr id="4" name="Text Placeholder 3"/>
-          <p:cNvSpPr>
-            <a:spLocks noGrp="1"/>
-          </p:cNvSpPr>
-          <p:nvPr>
-            <p:ph idx="2" sz="half" type="body"/>
-          </p:nvPr>
-        </p:nvSpPr>
-        <p:spPr/>
-        <p:txBody>
-          <a:bodyPr/>
-          <a:lstStyle/>
-          <a:p>
-            <a:pPr lvl="0" indent="0" marL="0">
-              <a:buNone/>
-            </a:pPr>
-            <a:r>
-              <a:rPr>
-                <a:hlinkClick r:id="rId2"/>
-              </a:rPr>
-              <a:t>Brandenburg Species Mixture Recommendation</a:t>
+              <a:rPr b="1"/>
+              <a:t>Climate and nutrition</a:t>
             </a:r>
           </a:p>
         </p:txBody>
@@ -5024,8 +6369,9 @@
                 <a:tableStyleId>{5C22544A-7EE6-4342-B048-85BDC9FD1C3A}</a:tableStyleId>
               </a:tblPr>
               <a:tblGrid>
-                <a:gridCol w="2552700"/>
-                <a:gridCol w="2552700"/>
+                <a:gridCol w="1701800"/>
+                <a:gridCol w="1701800"/>
+                <a:gridCol w="1701800"/>
               </a:tblGrid>
               <a:tr h="0">
                 <a:tc>
@@ -5038,7 +6384,7 @@
                       </a:pPr>
                       <a:r>
                         <a:rPr/>
-                        <a:t>Species</a:t>
+                        <a:t>Parameter</a:t>
                       </a:r>
                     </a:p>
                   </a:txBody>
@@ -5054,7 +6400,23 @@
                       </a:pPr>
                       <a:r>
                         <a:rPr/>
-                        <a:t>Mixture class (%)</a:t>
+                        <a:t>Value</a:t>
+                      </a:r>
+                    </a:p>
+                  </a:txBody>
+                  <a:tcPr/>
+                </a:tc>
+                <a:tc>
+                  <a:txBody>
+                    <a:bodyPr/>
+                    <a:lstStyle/>
+                    <a:p>
+                      <a:pPr lvl="0" indent="0" marL="0">
+                        <a:buNone/>
+                      </a:pPr>
+                      <a:r>
+                        <a:rPr/>
+                        <a:t>Misc</a:t>
                       </a:r>
                     </a:p>
                   </a:txBody>
@@ -5072,22 +6434,37 @@
                       </a:pPr>
                       <a:r>
                         <a:rPr/>
-                        <a:t>Scots pine</a:t>
-                      </a:r>
-                    </a:p>
-                  </a:txBody>
-                </a:tc>
-                <a:tc>
-                  <a:txBody>
-                    <a:bodyPr/>
-                    <a:lstStyle/>
-                    <a:p>
-                      <a:pPr lvl="0" indent="0" marL="0">
-                        <a:buNone/>
-                      </a:pPr>
-                      <a:r>
-                        <a:rPr/>
-                        <a:t>&lt;= 50</a:t>
+                        <a:t>Growth District</a:t>
+                      </a:r>
+                    </a:p>
+                  </a:txBody>
+                </a:tc>
+                <a:tc>
+                  <a:txBody>
+                    <a:bodyPr/>
+                    <a:lstStyle/>
+                    <a:p>
+                      <a:pPr lvl="0" indent="0" marL="0">
+                        <a:buNone/>
+                      </a:pPr>
+                      <a:r>
+                        <a:rPr/>
+                        <a:t>99.10.19</a:t>
+                      </a:r>
+                    </a:p>
+                  </a:txBody>
+                </a:tc>
+                <a:tc>
+                  <a:txBody>
+                    <a:bodyPr/>
+                    <a:lstStyle/>
+                    <a:p>
+                      <a:pPr lvl="0" indent="0" marL="0">
+                        <a:buNone/>
+                      </a:pPr>
+                      <a:r>
+                        <a:rPr/>
+                        <a:t>Tramper Platte</a:t>
                       </a:r>
                     </a:p>
                   </a:txBody>
@@ -5104,22 +6481,37 @@
                       </a:pPr>
                       <a:r>
                         <a:rPr/>
-                        <a:t>European Beech</a:t>
-                      </a:r>
-                    </a:p>
-                  </a:txBody>
-                </a:tc>
-                <a:tc>
-                  <a:txBody>
-                    <a:bodyPr/>
-                    <a:lstStyle/>
-                    <a:p>
-                      <a:pPr lvl="0" indent="0" marL="0">
-                        <a:buNone/>
-                      </a:pPr>
-                      <a:r>
-                        <a:rPr/>
-                        <a:t>&lt;= 50</a:t>
+                        <a:t>Soil freshness</a:t>
+                      </a:r>
+                    </a:p>
+                  </a:txBody>
+                </a:tc>
+                <a:tc>
+                  <a:txBody>
+                    <a:bodyPr/>
+                    <a:lstStyle/>
+                    <a:p>
+                      <a:pPr lvl="0" indent="0" marL="0">
+                        <a:buNone/>
+                      </a:pPr>
+                      <a:r>
+                        <a:rPr/>
+                        <a:t>m</a:t>
+                      </a:r>
+                    </a:p>
+                  </a:txBody>
+                </a:tc>
+                <a:tc>
+                  <a:txBody>
+                    <a:bodyPr/>
+                    <a:lstStyle/>
+                    <a:p>
+                      <a:pPr lvl="0" indent="0" marL="0">
+                        <a:buNone/>
+                      </a:pPr>
+                      <a:r>
+                        <a:rPr/>
+                        <a:t>Medium fresh</a:t>
                       </a:r>
                     </a:p>
                   </a:txBody>
@@ -5136,54 +6528,37 @@
                       </a:pPr>
                       <a:r>
                         <a:rPr/>
-                        <a:t>Norway Spruce</a:t>
-                      </a:r>
-                    </a:p>
-                  </a:txBody>
-                </a:tc>
-                <a:tc>
-                  <a:txBody>
-                    <a:bodyPr/>
-                    <a:lstStyle/>
-                    <a:p>
-                      <a:pPr lvl="0" indent="0" marL="0">
-                        <a:buNone/>
-                      </a:pPr>
-                      <a:r>
-                        <a:rPr/>
-                        <a:t>0</a:t>
-                      </a:r>
-                    </a:p>
-                  </a:txBody>
-                </a:tc>
-              </a:tr>
-              <a:tr h="0">
-                <a:tc>
-                  <a:txBody>
-                    <a:bodyPr/>
-                    <a:lstStyle/>
-                    <a:p>
-                      <a:pPr lvl="0" indent="0" marL="0">
-                        <a:buNone/>
-                      </a:pPr>
-                      <a:r>
-                        <a:rPr/>
-                        <a:t>Sessile Oak</a:t>
-                      </a:r>
-                    </a:p>
-                  </a:txBody>
-                </a:tc>
-                <a:tc>
-                  <a:txBody>
-                    <a:bodyPr/>
-                    <a:lstStyle/>
-                    <a:p>
-                      <a:pPr lvl="0" indent="0" marL="0">
-                        <a:buNone/>
-                      </a:pPr>
-                      <a:r>
-                        <a:rPr/>
-                        <a:t>&lt;= 50</a:t>
+                        <a:t>Nutrition</a:t>
+                      </a:r>
+                    </a:p>
+                  </a:txBody>
+                </a:tc>
+                <a:tc>
+                  <a:txBody>
+                    <a:bodyPr/>
+                    <a:lstStyle/>
+                    <a:p>
+                      <a:pPr lvl="0" indent="0" marL="0">
+                        <a:buNone/>
+                      </a:pPr>
+                      <a:r>
+                        <a:rPr/>
+                        <a:t>M2</a:t>
+                      </a:r>
+                    </a:p>
+                  </a:txBody>
+                </a:tc>
+                <a:tc>
+                  <a:txBody>
+                    <a:bodyPr/>
+                    <a:lstStyle/>
+                    <a:p>
+                      <a:pPr lvl="0" indent="0" marL="0">
+                        <a:buNone/>
+                      </a:pPr>
+                      <a:r>
+                        <a:rPr/>
+                        <a:t>Slightly better medium</a:t>
                       </a:r>
                     </a:p>
                   </a:txBody>
@@ -5217,12 +6592,12 @@
       </p:grpSpPr>
       <p:sp>
         <p:nvSpPr>
-          <p:cNvPr id="2" name="Title 1"/>
-          <p:cNvSpPr>
-            <a:spLocks noGrp="1"/>
-          </p:cNvSpPr>
-          <p:nvPr>
-            <p:ph type="title"/>
+          <p:cNvPr id="4" name="Text Placeholder 3"/>
+          <p:cNvSpPr>
+            <a:spLocks noGrp="1"/>
+          </p:cNvSpPr>
+          <p:nvPr>
+            <p:ph idx="2" sz="half" type="body"/>
           </p:nvPr>
         </p:nvSpPr>
         <p:spPr/>
@@ -5231,80 +6606,219 @@
           <a:lstStyle/>
           <a:p>
             <a:pPr lvl="0" indent="0" marL="0">
+              <a:spcBef>
+                <a:spcPts val="3000"/>
+              </a:spcBef>
               <a:buNone/>
             </a:pPr>
             <a:r>
-              <a:rPr/>
-              <a:t>Stakeholder</a:t>
-            </a:r>
-          </a:p>
-        </p:txBody>
-      </p:sp>
-      <p:sp>
-        <p:nvSpPr>
-          <p:cNvPr id="3" name="Content Placeholder 2"/>
-          <p:cNvSpPr>
-            <a:spLocks noGrp="1"/>
-          </p:cNvSpPr>
+              <a:rPr b="1"/>
+              <a:t>Mixture Recommendation</a:t>
+            </a:r>
+          </a:p>
+          <a:p>
+            <a:pPr lvl="0" indent="0" marL="0">
+              <a:buNone/>
+            </a:pPr>
+            <a:r>
+              <a:rPr>
+                <a:hlinkClick r:id="rId2"/>
+              </a:rPr>
+              <a:t>Brandenburg Species Mixture Recommendation</a:t>
+            </a:r>
+          </a:p>
+        </p:txBody>
+      </p:sp>
+      <p:graphicFrame>
+        <p:nvGraphicFramePr>
+          <p:cNvPr id="6" name="Content Placeholder 5"/>
+          <p:cNvGraphicFramePr>
+            <a:graphicFrameLocks noGrp="1"/>
+          </p:cNvGraphicFramePr>
           <p:nvPr>
             <p:ph idx="1"/>
           </p:nvPr>
-        </p:nvSpPr>
-        <p:spPr/>
-        <p:txBody>
-          <a:bodyPr/>
-          <a:lstStyle/>
-          <a:p>
-            <a:pPr lvl="0"/>
-            <a:r>
-              <a:rPr/>
-              <a:t>Private owner</a:t>
-            </a:r>
-          </a:p>
-          <a:p>
-            <a:pPr lvl="0"/>
-            <a:r>
-              <a:rPr/>
-              <a:t>“Set in and forget it”</a:t>
-            </a:r>
-          </a:p>
-          <a:p>
-            <a:pPr lvl="0"/>
-            <a:r>
-              <a:rPr/>
-              <a:t>Passive income</a:t>
-            </a:r>
-          </a:p>
-          <a:p>
-            <a:pPr lvl="0"/>
-            <a:r>
-              <a:rPr/>
-              <a:t>Pension fund</a:t>
-            </a:r>
-          </a:p>
-          <a:p>
-            <a:pPr lvl="0"/>
-            <a:r>
-              <a:rPr/>
-              <a:t>Resilience and sustainability</a:t>
-            </a:r>
-          </a:p>
-          <a:p>
-            <a:pPr lvl="1"/>
-            <a:r>
-              <a:rPr/>
-              <a:t>as long as it’s easy</a:t>
-            </a:r>
-          </a:p>
-          <a:p>
-            <a:pPr lvl="1"/>
-            <a:r>
-              <a:rPr/>
-              <a:t>should be reflected in the resale value</a:t>
-            </a:r>
-          </a:p>
-        </p:txBody>
-      </p:sp>
+        </p:nvGraphicFramePr>
+        <p:xfrm>
+          <a:off x="3568700" y="203200"/>
+          <a:ext cx="5105400" cy="4381500"/>
+        </p:xfrm>
+        <a:graphic>
+          <a:graphicData uri="http://schemas.openxmlformats.org/drawingml/2006/table">
+            <a:tbl>
+              <a:tblPr firstRow="1" bandRow="1">
+                <a:tableStyleId>{5C22544A-7EE6-4342-B048-85BDC9FD1C3A}</a:tableStyleId>
+              </a:tblPr>
+              <a:tblGrid>
+                <a:gridCol w="2552700"/>
+                <a:gridCol w="2552700"/>
+              </a:tblGrid>
+              <a:tr h="0">
+                <a:tc>
+                  <a:txBody>
+                    <a:bodyPr/>
+                    <a:lstStyle/>
+                    <a:p>
+                      <a:pPr lvl="0" indent="0" marL="0">
+                        <a:buNone/>
+                      </a:pPr>
+                      <a:r>
+                        <a:rPr/>
+                        <a:t>Species</a:t>
+                      </a:r>
+                    </a:p>
+                  </a:txBody>
+                  <a:tcPr/>
+                </a:tc>
+                <a:tc>
+                  <a:txBody>
+                    <a:bodyPr/>
+                    <a:lstStyle/>
+                    <a:p>
+                      <a:pPr lvl="0" indent="0" marL="0">
+                        <a:buNone/>
+                      </a:pPr>
+                      <a:r>
+                        <a:rPr/>
+                        <a:t>Mixture class (%)</a:t>
+                      </a:r>
+                    </a:p>
+                  </a:txBody>
+                  <a:tcPr/>
+                </a:tc>
+              </a:tr>
+              <a:tr h="0">
+                <a:tc>
+                  <a:txBody>
+                    <a:bodyPr/>
+                    <a:lstStyle/>
+                    <a:p>
+                      <a:pPr lvl="0" indent="0" marL="0">
+                        <a:buNone/>
+                      </a:pPr>
+                      <a:r>
+                        <a:rPr/>
+                        <a:t>Scots pine</a:t>
+                      </a:r>
+                    </a:p>
+                  </a:txBody>
+                </a:tc>
+                <a:tc>
+                  <a:txBody>
+                    <a:bodyPr/>
+                    <a:lstStyle/>
+                    <a:p>
+                      <a:pPr lvl="0" indent="0" marL="0">
+                        <a:buNone/>
+                      </a:pPr>
+                      <a:r>
+                        <a:rPr/>
+                        <a:t>&lt;= 50</a:t>
+                      </a:r>
+                    </a:p>
+                  </a:txBody>
+                </a:tc>
+              </a:tr>
+              <a:tr h="0">
+                <a:tc>
+                  <a:txBody>
+                    <a:bodyPr/>
+                    <a:lstStyle/>
+                    <a:p>
+                      <a:pPr lvl="0" indent="0" marL="0">
+                        <a:buNone/>
+                      </a:pPr>
+                      <a:r>
+                        <a:rPr/>
+                        <a:t>European Beech</a:t>
+                      </a:r>
+                    </a:p>
+                  </a:txBody>
+                </a:tc>
+                <a:tc>
+                  <a:txBody>
+                    <a:bodyPr/>
+                    <a:lstStyle/>
+                    <a:p>
+                      <a:pPr lvl="0" indent="0" marL="0">
+                        <a:buNone/>
+                      </a:pPr>
+                      <a:r>
+                        <a:rPr/>
+                        <a:t>&lt;= 50</a:t>
+                      </a:r>
+                    </a:p>
+                  </a:txBody>
+                </a:tc>
+              </a:tr>
+              <a:tr h="0">
+                <a:tc>
+                  <a:txBody>
+                    <a:bodyPr/>
+                    <a:lstStyle/>
+                    <a:p>
+                      <a:pPr lvl="0" indent="0" marL="0">
+                        <a:buNone/>
+                      </a:pPr>
+                      <a:r>
+                        <a:rPr/>
+                        <a:t>Norway Spruce</a:t>
+                      </a:r>
+                    </a:p>
+                  </a:txBody>
+                </a:tc>
+                <a:tc>
+                  <a:txBody>
+                    <a:bodyPr/>
+                    <a:lstStyle/>
+                    <a:p>
+                      <a:pPr lvl="0" indent="0" marL="0">
+                        <a:buNone/>
+                      </a:pPr>
+                      <a:r>
+                        <a:rPr/>
+                        <a:t>0</a:t>
+                      </a:r>
+                    </a:p>
+                  </a:txBody>
+                </a:tc>
+              </a:tr>
+              <a:tr h="0">
+                <a:tc>
+                  <a:txBody>
+                    <a:bodyPr/>
+                    <a:lstStyle/>
+                    <a:p>
+                      <a:pPr lvl="0" indent="0" marL="0">
+                        <a:buNone/>
+                      </a:pPr>
+                      <a:r>
+                        <a:rPr/>
+                        <a:t>Sessile Oak</a:t>
+                      </a:r>
+                    </a:p>
+                  </a:txBody>
+                </a:tc>
+                <a:tc>
+                  <a:txBody>
+                    <a:bodyPr/>
+                    <a:lstStyle/>
+                    <a:p>
+                      <a:pPr lvl="0" indent="0" marL="0">
+                        <a:buNone/>
+                      </a:pPr>
+                      <a:r>
+                        <a:rPr/>
+                        <a:t>&lt;= 50</a:t>
+                      </a:r>
+                    </a:p>
+                  </a:txBody>
+                </a:tc>
+              </a:tr>
+            </a:tbl>
+          </a:graphicData>
+        </a:graphic>
+      </p:graphicFrame>
     </p:spTree>
   </p:cSld>
 </p:sld>
@@ -5329,12 +6843,12 @@
       </p:grpSpPr>
       <p:sp>
         <p:nvSpPr>
-          <p:cNvPr id="2" name="Title 1"/>
-          <p:cNvSpPr>
-            <a:spLocks noGrp="1"/>
-          </p:cNvSpPr>
-          <p:nvPr>
-            <p:ph type="title"/>
+          <p:cNvPr id="4" name="Text Placeholder 3"/>
+          <p:cNvSpPr>
+            <a:spLocks noGrp="1"/>
+          </p:cNvSpPr>
+          <p:nvPr>
+            <p:ph idx="2" sz="half" type="body"/>
           </p:nvPr>
         </p:nvSpPr>
         <p:spPr/>
@@ -5343,10 +6857,74 @@
           <a:lstStyle/>
           <a:p>
             <a:pPr lvl="0" indent="0" marL="0">
+              <a:spcBef>
+                <a:spcPts val="3000"/>
+              </a:spcBef>
               <a:buNone/>
             </a:pPr>
             <a:r>
+              <a:rPr b="1"/>
+              <a:t>Stakeholder</a:t>
+            </a:r>
+          </a:p>
+          <a:p>
+            <a:pPr lvl="0"/>
+            <a:r>
               <a:rPr/>
+              <a:t>Private owner</a:t>
+            </a:r>
+          </a:p>
+          <a:p>
+            <a:pPr lvl="0"/>
+            <a:r>
+              <a:rPr/>
+              <a:t>“Set in and forget it”</a:t>
+            </a:r>
+          </a:p>
+          <a:p>
+            <a:pPr lvl="0"/>
+            <a:r>
+              <a:rPr/>
+              <a:t>Passive income</a:t>
+            </a:r>
+          </a:p>
+          <a:p>
+            <a:pPr lvl="0"/>
+            <a:r>
+              <a:rPr/>
+              <a:t>Pension fund</a:t>
+            </a:r>
+          </a:p>
+          <a:p>
+            <a:pPr lvl="0"/>
+            <a:r>
+              <a:rPr/>
+              <a:t>Resilience and sustainability</a:t>
+            </a:r>
+          </a:p>
+          <a:p>
+            <a:pPr lvl="1"/>
+            <a:r>
+              <a:rPr/>
+              <a:t>as long as it’s easy</a:t>
+            </a:r>
+          </a:p>
+          <a:p>
+            <a:pPr lvl="1"/>
+            <a:r>
+              <a:rPr/>
+              <a:t>should be reflected in the resale value</a:t>
+            </a:r>
+          </a:p>
+          <a:p>
+            <a:pPr lvl="0" indent="0" marL="0">
+              <a:spcBef>
+                <a:spcPts val="3000"/>
+              </a:spcBef>
+              <a:buNone/>
+            </a:pPr>
+            <a:r>
+              <a:rPr b="1"/>
               <a:t>Target mixture</a:t>
             </a:r>
           </a:p>
@@ -5363,8 +6941,8 @@
           </p:nvPr>
         </p:nvGraphicFramePr>
         <p:xfrm>
-          <a:off x="457200" y="1193800"/>
-          <a:ext cx="8229600" cy="3390900"/>
+          <a:off x="3568700" y="203200"/>
+          <a:ext cx="5105400" cy="4381500"/>
         </p:xfrm>
         <a:graphic>
           <a:graphicData uri="http://schemas.openxmlformats.org/drawingml/2006/table">
@@ -5373,8 +6951,8 @@
                 <a:tableStyleId>{5C22544A-7EE6-4342-B048-85BDC9FD1C3A}</a:tableStyleId>
               </a:tblPr>
               <a:tblGrid>
-                <a:gridCol w="4114800"/>
-                <a:gridCol w="4114800"/>
+                <a:gridCol w="2552700"/>
+                <a:gridCol w="2552700"/>
               </a:tblGrid>
               <a:tr h="0">
                 <a:tc>
@@ -5566,34 +7144,62 @@
       </p:grpSpPr>
       <p:sp>
         <p:nvSpPr>
-          <p:cNvPr id="2" name="Title 1"/>
-          <p:cNvSpPr>
-            <a:spLocks noGrp="1"/>
-          </p:cNvSpPr>
-          <p:nvPr>
-            <p:ph type="title"/>
-          </p:nvPr>
-        </p:nvSpPr>
-        <p:spPr>
+          <p:cNvPr id="4" name="Text Placeholder 3"/>
+          <p:cNvSpPr>
+            <a:spLocks noGrp="1"/>
+          </p:cNvSpPr>
+          <p:nvPr>
+            <p:ph idx="2" sz="half" type="body"/>
+          </p:nvPr>
+        </p:nvSpPr>
+        <p:spPr/>
+        <p:txBody>
+          <a:bodyPr/>
+          <a:lstStyle/>
+          <a:p>
+            <a:pPr lvl="0" indent="0" marL="0">
+              <a:spcBef>
+                <a:spcPts val="3000"/>
+              </a:spcBef>
+              <a:buNone/>
+            </a:pPr>
+            <a:r>
+              <a:rPr b="1"/>
+              <a:t>Ecological characteristics of the tree species</a:t>
+            </a:r>
+          </a:p>
+        </p:txBody>
+      </p:sp>
+      <p:pic>
+        <p:nvPicPr>
+          <p:cNvPr descr="images/species_characters.png" id="0" name="Picture 1"/>
+          <p:cNvPicPr>
+            <a:picLocks noGrp="1" noChangeAspect="1"/>
+          </p:cNvPicPr>
+          <p:nvPr/>
+        </p:nvPicPr>
+        <p:blipFill>
+          <a:blip r:embed="rId2"/>
+          <a:stretch>
+            <a:fillRect/>
+          </a:stretch>
+        </p:blipFill>
+        <p:spPr bwMode="auto">
           <a:xfrm>
-            <a:off x="722313" y="3305176"/>
-            <a:ext cx="7772400" cy="1021556"/>
+            <a:off x="3568700" y="1092200"/>
+            <a:ext cx="5105400" cy="2603500"/>
           </a:xfrm>
+          <a:prstGeom prst="rect">
+            <a:avLst/>
+          </a:prstGeom>
+          <a:noFill/>
+          <a:ln w="9525">
+            <a:noFill/>
+            <a:headEnd/>
+            <a:tailEnd/>
+          </a:ln>
         </p:spPr>
-        <p:txBody>
-          <a:bodyPr/>
-          <a:lstStyle/>
-          <a:p>
-            <a:pPr lvl="0" indent="0" marL="0">
-              <a:buNone/>
-            </a:pPr>
-            <a:r>
-              <a:rPr/>
-              <a:t>Modeling</a:t>
-            </a:r>
-          </a:p>
-        </p:txBody>
-      </p:sp>
+      </p:pic>
     </p:spTree>
   </p:cSld>
 </p:sld>
@@ -5618,12 +7224,12 @@
       </p:grpSpPr>
       <p:sp>
         <p:nvSpPr>
-          <p:cNvPr id="2" name="Title 1"/>
-          <p:cNvSpPr>
-            <a:spLocks noGrp="1"/>
-          </p:cNvSpPr>
-          <p:nvPr>
-            <p:ph type="title"/>
+          <p:cNvPr id="3" name="Content Placeholder 2"/>
+          <p:cNvSpPr>
+            <a:spLocks noGrp="1"/>
+          </p:cNvSpPr>
+          <p:nvPr>
+            <p:ph idx="1"/>
           </p:nvPr>
         </p:nvSpPr>
         <p:spPr/>
@@ -5632,288 +7238,39 @@
           <a:lstStyle/>
           <a:p>
             <a:pPr lvl="0" indent="0" marL="0">
+              <a:spcBef>
+                <a:spcPts val="3000"/>
+              </a:spcBef>
               <a:buNone/>
             </a:pPr>
             <a:r>
+              <a:rPr b="1"/>
+              <a:t>Species behaviour in monoculture stands</a:t>
+            </a:r>
+          </a:p>
+          <a:p>
+            <a:pPr lvl="0"/>
+            <a:r>
               <a:rPr/>
-              <a:t>Initial tree stand parameters</a:t>
-            </a:r>
-          </a:p>
-        </p:txBody>
-      </p:sp>
-      <p:graphicFrame>
-        <p:nvGraphicFramePr>
-          <p:cNvPr id="6" name="Content Placeholder 5"/>
-          <p:cNvGraphicFramePr>
-            <a:graphicFrameLocks noGrp="1"/>
-          </p:cNvGraphicFramePr>
-          <p:nvPr>
-            <p:ph idx="1"/>
-          </p:nvPr>
-        </p:nvGraphicFramePr>
-        <p:xfrm>
-          <a:off x="457200" y="1193800"/>
-          <a:ext cx="8229600" cy="3390900"/>
-        </p:xfrm>
-        <a:graphic>
-          <a:graphicData uri="http://schemas.openxmlformats.org/drawingml/2006/table">
-            <a:tbl>
-              <a:tblPr firstRow="1" bandRow="1">
-                <a:tableStyleId>{5C22544A-7EE6-4342-B048-85BDC9FD1C3A}</a:tableStyleId>
-              </a:tblPr>
-              <a:tblGrid>
-                <a:gridCol w="2743200"/>
-                <a:gridCol w="2743200"/>
-                <a:gridCol w="2743200"/>
-              </a:tblGrid>
-              <a:tr h="0">
-                <a:tc>
-                  <a:txBody>
-                    <a:bodyPr/>
-                    <a:lstStyle/>
-                    <a:p>
-                      <a:pPr lvl="0" indent="0" marL="0">
-                        <a:buNone/>
-                      </a:pPr>
-                      <a:r>
-                        <a:rPr/>
-                        <a:t>Species</a:t>
-                      </a:r>
-                    </a:p>
-                  </a:txBody>
-                  <a:tcPr/>
-                </a:tc>
-                <a:tc>
-                  <a:txBody>
-                    <a:bodyPr/>
-                    <a:lstStyle/>
-                    <a:p>
-                      <a:pPr lvl="0" indent="0" marL="0">
-                        <a:buNone/>
-                      </a:pPr>
-                      <a:r>
-                        <a:rPr/>
-                        <a:t>N / ha</a:t>
-                      </a:r>
-                    </a:p>
-                  </a:txBody>
-                  <a:tcPr/>
-                </a:tc>
-                <a:tc>
-                  <a:txBody>
-                    <a:bodyPr/>
-                    <a:lstStyle/>
-                    <a:p>
-                      <a:pPr lvl="0" indent="0" marL="0">
-                        <a:buNone/>
-                      </a:pPr>
-                      <a:r>
-                        <a:rPr/>
-                        <a:t>G (m²)</a:t>
-                      </a:r>
-                    </a:p>
-                  </a:txBody>
-                  <a:tcPr/>
-                </a:tc>
-              </a:tr>
-              <a:tr h="0">
-                <a:tc>
-                  <a:txBody>
-                    <a:bodyPr/>
-                    <a:lstStyle/>
-                    <a:p>
-                      <a:pPr lvl="0" indent="0" marL="0">
-                        <a:buNone/>
-                      </a:pPr>
-                      <a:r>
-                        <a:rPr/>
-                        <a:t>Scots pine</a:t>
-                      </a:r>
-                    </a:p>
-                  </a:txBody>
-                </a:tc>
-                <a:tc>
-                  <a:txBody>
-                    <a:bodyPr/>
-                    <a:lstStyle/>
-                    <a:p>
-                      <a:pPr lvl="0" indent="0" marL="0">
-                        <a:buNone/>
-                      </a:pPr>
-                      <a:r>
-                        <a:rPr/>
-                        <a:t>282</a:t>
-                      </a:r>
-                    </a:p>
-                  </a:txBody>
-                </a:tc>
-                <a:tc>
-                  <a:txBody>
-                    <a:bodyPr/>
-                    <a:lstStyle/>
-                    <a:p>
-                      <a:pPr lvl="0" indent="0" marL="0">
-                        <a:buNone/>
-                      </a:pPr>
-                      <a:r>
-                        <a:rPr/>
-                        <a:t>31</a:t>
-                      </a:r>
-                    </a:p>
-                  </a:txBody>
-                </a:tc>
-              </a:tr>
-              <a:tr h="0">
-                <a:tc>
-                  <a:txBody>
-                    <a:bodyPr/>
-                    <a:lstStyle/>
-                    <a:p>
-                      <a:pPr lvl="0" indent="0" marL="0">
-                        <a:buNone/>
-                      </a:pPr>
-                      <a:r>
-                        <a:rPr/>
-                        <a:t>European beech</a:t>
-                      </a:r>
-                    </a:p>
-                  </a:txBody>
-                </a:tc>
-                <a:tc>
-                  <a:txBody>
-                    <a:bodyPr/>
-                    <a:lstStyle/>
-                    <a:p>
-                      <a:pPr lvl="0" indent="0" marL="0">
-                        <a:buNone/>
-                      </a:pPr>
-                      <a:r>
-                        <a:rPr/>
-                        <a:t>525</a:t>
-                      </a:r>
-                    </a:p>
-                  </a:txBody>
-                </a:tc>
-                <a:tc>
-                  <a:txBody>
-                    <a:bodyPr/>
-                    <a:lstStyle/>
-                    <a:p>
-                      <a:pPr lvl="0" indent="0" marL="0">
-                        <a:buNone/>
-                      </a:pPr>
-                      <a:r>
-                        <a:rPr/>
-                        <a:t>9</a:t>
-                      </a:r>
-                    </a:p>
-                  </a:txBody>
-                </a:tc>
-              </a:tr>
-              <a:tr h="0">
-                <a:tc>
-                  <a:txBody>
-                    <a:bodyPr/>
-                    <a:lstStyle/>
-                    <a:p>
-                      <a:pPr lvl="0" indent="0" marL="0">
-                        <a:buNone/>
-                      </a:pPr>
-                      <a:r>
-                        <a:rPr/>
-                        <a:t>Norway spruce</a:t>
-                      </a:r>
-                    </a:p>
-                  </a:txBody>
-                </a:tc>
-                <a:tc>
-                  <a:txBody>
-                    <a:bodyPr/>
-                    <a:lstStyle/>
-                    <a:p>
-                      <a:pPr lvl="0" indent="0" marL="0">
-                        <a:buNone/>
-                      </a:pPr>
-                      <a:r>
-                        <a:rPr/>
-                        <a:t>28</a:t>
-                      </a:r>
-                    </a:p>
-                  </a:txBody>
-                </a:tc>
-                <a:tc>
-                  <a:txBody>
-                    <a:bodyPr/>
-                    <a:lstStyle/>
-                    <a:p>
-                      <a:pPr lvl="0" indent="0" marL="0">
-                        <a:buNone/>
-                      </a:pPr>
-                      <a:r>
-                        <a:rPr/>
-                        <a:t>.6</a:t>
-                      </a:r>
-                    </a:p>
-                  </a:txBody>
-                </a:tc>
-              </a:tr>
-              <a:tr h="0">
-                <a:tc>
-                  <a:txBody>
-                    <a:bodyPr/>
-                    <a:lstStyle/>
-                    <a:p>
-                      <a:pPr lvl="0" indent="0" marL="0">
-                        <a:buNone/>
-                      </a:pPr>
-                      <a:r>
-                        <a:rPr/>
-                        <a:t>Sessile oak</a:t>
-                      </a:r>
-                      <a:r>
-                        <a:rPr baseline="30000">
-                          <a:hlinkClick r:id="rId2" action="ppaction://hlinksldjump"/>
-                        </a:rPr>
-                        <a:t>1</a:t>
-                      </a:r>
-                    </a:p>
-                  </a:txBody>
-                </a:tc>
-                <a:tc>
-                  <a:txBody>
-                    <a:bodyPr/>
-                    <a:lstStyle/>
-                    <a:p>
-                      <a:pPr lvl="0" indent="0" marL="0">
-                        <a:buNone/>
-                      </a:pPr>
-                      <a:r>
-                        <a:rPr/>
-                        <a:t>18</a:t>
-                      </a:r>
-                    </a:p>
-                  </a:txBody>
-                </a:tc>
-                <a:tc>
-                  <a:txBody>
-                    <a:bodyPr/>
-                    <a:lstStyle/>
-                    <a:p>
-                      <a:pPr lvl="0" indent="0" marL="0">
-                        <a:buNone/>
-                      </a:pPr>
-                      <a:r>
-                        <a:rPr/>
-                        <a:t>.2</a:t>
-                      </a:r>
-                    </a:p>
-                  </a:txBody>
-                </a:tc>
-              </a:tr>
-            </a:tbl>
-          </a:graphicData>
-        </a:graphic>
-      </p:graphicFrame>
+              <a:t>Scots Pine grows well on poor soils, uniform stands, and have a high drought and pest vulnerability.</a:t>
+            </a:r>
+          </a:p>
+          <a:p>
+            <a:pPr lvl="0"/>
+            <a:r>
+              <a:rPr/>
+              <a:t>European Beech dense canopy and quality timber, drought sensitive, limited regeneration on dry sites.</a:t>
+            </a:r>
+          </a:p>
+          <a:p>
+            <a:pPr lvl="0"/>
+            <a:r>
+              <a:rPr/>
+              <a:t>Sessile Oak: valuable hardwood, requires light, regeneration difficult, risk from insects. Norway Spruce: fast growth, high yield, prone to storms and bark beetles.</a:t>
+            </a:r>
+          </a:p>
+        </p:txBody>
+      </p:sp>
     </p:spTree>
   </p:cSld>
 </p:sld>
